--- a/summary.pptx
+++ b/summary.pptx
@@ -5,8 +5,14 @@
     <p:sldMasterId id="2147483648" r:id="rId1"/>
   </p:sldMasterIdLst>
   <p:sldIdLst>
-    <p:sldId id="256" r:id="rId2"/>
-    <p:sldId id="257" r:id="rId3"/>
+    <p:sldId id="257" r:id="rId2"/>
+    <p:sldId id="259" r:id="rId3"/>
+    <p:sldId id="258" r:id="rId4"/>
+    <p:sldId id="260" r:id="rId5"/>
+    <p:sldId id="262" r:id="rId6"/>
+    <p:sldId id="263" r:id="rId7"/>
+    <p:sldId id="265" r:id="rId8"/>
+    <p:sldId id="264" r:id="rId9"/>
   </p:sldIdLst>
   <p:sldSz cx="12192000" cy="6858000"/>
   <p:notesSz cx="6858000" cy="9144000"/>
@@ -3310,276 +3316,6 @@
   <p:cSld>
     <p:spTree>
       <p:nvGrpSpPr>
-        <p:cNvPr id="1" name=""/>
-        <p:cNvGrpSpPr/>
-        <p:nvPr/>
-      </p:nvGrpSpPr>
-      <p:grpSpPr>
-        <a:xfrm>
-          <a:off x="0" y="0"/>
-          <a:ext cx="0" cy="0"/>
-          <a:chOff x="0" y="0"/>
-          <a:chExt cx="0" cy="0"/>
-        </a:xfrm>
-      </p:grpSpPr>
-      <p:pic>
-        <p:nvPicPr>
-          <p:cNvPr id="5" name="Picture 4">
-            <a:extLst>
-              <a:ext uri="{FF2B5EF4-FFF2-40B4-BE49-F238E27FC236}">
-                <a16:creationId xmlns:a16="http://schemas.microsoft.com/office/drawing/2014/main" id="{8920AE2F-1FFD-4CD7-1CB7-034FBA386BE8}"/>
-              </a:ext>
-            </a:extLst>
-          </p:cNvPr>
-          <p:cNvPicPr>
-            <a:picLocks noChangeAspect="1"/>
-          </p:cNvPicPr>
-          <p:nvPr/>
-        </p:nvPicPr>
-        <p:blipFill>
-          <a:blip r:embed="rId2"/>
-          <a:stretch>
-            <a:fillRect/>
-          </a:stretch>
-        </p:blipFill>
-        <p:spPr>
-          <a:xfrm>
-            <a:off x="183822" y="790712"/>
-            <a:ext cx="5027017" cy="1244600"/>
-          </a:xfrm>
-          <a:prstGeom prst="rect">
-            <a:avLst/>
-          </a:prstGeom>
-        </p:spPr>
-      </p:pic>
-      <p:pic>
-        <p:nvPicPr>
-          <p:cNvPr id="7" name="Picture 6">
-            <a:extLst>
-              <a:ext uri="{FF2B5EF4-FFF2-40B4-BE49-F238E27FC236}">
-                <a16:creationId xmlns:a16="http://schemas.microsoft.com/office/drawing/2014/main" id="{AD2176FE-615A-34CC-6BFE-BAF53764C6EA}"/>
-              </a:ext>
-            </a:extLst>
-          </p:cNvPr>
-          <p:cNvPicPr>
-            <a:picLocks noChangeAspect="1"/>
-          </p:cNvPicPr>
-          <p:nvPr/>
-        </p:nvPicPr>
-        <p:blipFill>
-          <a:blip r:embed="rId3"/>
-          <a:stretch>
-            <a:fillRect/>
-          </a:stretch>
-        </p:blipFill>
-        <p:spPr>
-          <a:xfrm>
-            <a:off x="333375" y="149225"/>
-            <a:ext cx="4532313" cy="511449"/>
-          </a:xfrm>
-          <a:prstGeom prst="rect">
-            <a:avLst/>
-          </a:prstGeom>
-        </p:spPr>
-      </p:pic>
-      <p:pic>
-        <p:nvPicPr>
-          <p:cNvPr id="9" name="Picture 8">
-            <a:extLst>
-              <a:ext uri="{FF2B5EF4-FFF2-40B4-BE49-F238E27FC236}">
-                <a16:creationId xmlns:a16="http://schemas.microsoft.com/office/drawing/2014/main" id="{2B794C52-708E-02D2-01E2-21011301A57F}"/>
-              </a:ext>
-            </a:extLst>
-          </p:cNvPr>
-          <p:cNvPicPr>
-            <a:picLocks noChangeAspect="1"/>
-          </p:cNvPicPr>
-          <p:nvPr/>
-        </p:nvPicPr>
-        <p:blipFill>
-          <a:blip r:embed="rId4"/>
-          <a:stretch>
-            <a:fillRect/>
-          </a:stretch>
-        </p:blipFill>
-        <p:spPr>
-          <a:xfrm>
-            <a:off x="5662940" y="404949"/>
-            <a:ext cx="4960282" cy="1630363"/>
-          </a:xfrm>
-          <a:prstGeom prst="rect">
-            <a:avLst/>
-          </a:prstGeom>
-        </p:spPr>
-      </p:pic>
-      <p:pic>
-        <p:nvPicPr>
-          <p:cNvPr id="11" name="Picture 10">
-            <a:extLst>
-              <a:ext uri="{FF2B5EF4-FFF2-40B4-BE49-F238E27FC236}">
-                <a16:creationId xmlns:a16="http://schemas.microsoft.com/office/drawing/2014/main" id="{71E419FF-7FBF-DD2B-3CC5-9A6B992D54BD}"/>
-              </a:ext>
-            </a:extLst>
-          </p:cNvPr>
-          <p:cNvPicPr>
-            <a:picLocks noChangeAspect="1"/>
-          </p:cNvPicPr>
-          <p:nvPr/>
-        </p:nvPicPr>
-        <p:blipFill>
-          <a:blip r:embed="rId5"/>
-          <a:stretch>
-            <a:fillRect/>
-          </a:stretch>
-        </p:blipFill>
-        <p:spPr>
-          <a:xfrm>
-            <a:off x="183822" y="4922838"/>
-            <a:ext cx="5027017" cy="722870"/>
-          </a:xfrm>
-          <a:prstGeom prst="rect">
-            <a:avLst/>
-          </a:prstGeom>
-        </p:spPr>
-      </p:pic>
-      <p:pic>
-        <p:nvPicPr>
-          <p:cNvPr id="13" name="Picture 12">
-            <a:extLst>
-              <a:ext uri="{FF2B5EF4-FFF2-40B4-BE49-F238E27FC236}">
-                <a16:creationId xmlns:a16="http://schemas.microsoft.com/office/drawing/2014/main" id="{48CA9E02-C611-3084-A1B1-38BEB924E6BB}"/>
-              </a:ext>
-            </a:extLst>
-          </p:cNvPr>
-          <p:cNvPicPr>
-            <a:picLocks noChangeAspect="1"/>
-          </p:cNvPicPr>
-          <p:nvPr/>
-        </p:nvPicPr>
-        <p:blipFill>
-          <a:blip r:embed="rId6"/>
-          <a:stretch>
-            <a:fillRect/>
-          </a:stretch>
-        </p:blipFill>
-        <p:spPr>
-          <a:xfrm>
-            <a:off x="5309592" y="3359756"/>
-            <a:ext cx="3273425" cy="481386"/>
-          </a:xfrm>
-          <a:prstGeom prst="rect">
-            <a:avLst/>
-          </a:prstGeom>
-        </p:spPr>
-      </p:pic>
-      <p:pic>
-        <p:nvPicPr>
-          <p:cNvPr id="15" name="Picture 14">
-            <a:extLst>
-              <a:ext uri="{FF2B5EF4-FFF2-40B4-BE49-F238E27FC236}">
-                <a16:creationId xmlns:a16="http://schemas.microsoft.com/office/drawing/2014/main" id="{9C042126-0840-69A7-1AAA-20E6045871A9}"/>
-              </a:ext>
-            </a:extLst>
-          </p:cNvPr>
-          <p:cNvPicPr>
-            <a:picLocks noChangeAspect="1"/>
-          </p:cNvPicPr>
-          <p:nvPr/>
-        </p:nvPicPr>
-        <p:blipFill>
-          <a:blip r:embed="rId7"/>
-          <a:stretch>
-            <a:fillRect/>
-          </a:stretch>
-        </p:blipFill>
-        <p:spPr>
-          <a:xfrm>
-            <a:off x="9061450" y="2941879"/>
-            <a:ext cx="1981200" cy="268045"/>
-          </a:xfrm>
-          <a:prstGeom prst="rect">
-            <a:avLst/>
-          </a:prstGeom>
-        </p:spPr>
-      </p:pic>
-      <p:pic>
-        <p:nvPicPr>
-          <p:cNvPr id="17" name="Picture 16">
-            <a:extLst>
-              <a:ext uri="{FF2B5EF4-FFF2-40B4-BE49-F238E27FC236}">
-                <a16:creationId xmlns:a16="http://schemas.microsoft.com/office/drawing/2014/main" id="{0EEC2C3B-4130-61E1-EA42-7AA62382F84E}"/>
-              </a:ext>
-            </a:extLst>
-          </p:cNvPr>
-          <p:cNvPicPr>
-            <a:picLocks noChangeAspect="1"/>
-          </p:cNvPicPr>
-          <p:nvPr/>
-        </p:nvPicPr>
-        <p:blipFill>
-          <a:blip r:embed="rId8"/>
-          <a:stretch>
-            <a:fillRect/>
-          </a:stretch>
-        </p:blipFill>
-        <p:spPr>
-          <a:xfrm>
-            <a:off x="8789987" y="3245829"/>
-            <a:ext cx="2524125" cy="595313"/>
-          </a:xfrm>
-          <a:prstGeom prst="rect">
-            <a:avLst/>
-          </a:prstGeom>
-        </p:spPr>
-      </p:pic>
-      <p:pic>
-        <p:nvPicPr>
-          <p:cNvPr id="19" name="Picture 18">
-            <a:extLst>
-              <a:ext uri="{FF2B5EF4-FFF2-40B4-BE49-F238E27FC236}">
-                <a16:creationId xmlns:a16="http://schemas.microsoft.com/office/drawing/2014/main" id="{FCAF36BF-7D7B-B1DA-4CF5-60AA891698B6}"/>
-              </a:ext>
-            </a:extLst>
-          </p:cNvPr>
-          <p:cNvPicPr>
-            <a:picLocks noChangeAspect="1"/>
-          </p:cNvPicPr>
-          <p:nvPr/>
-        </p:nvPicPr>
-        <p:blipFill>
-          <a:blip r:embed="rId9"/>
-          <a:stretch>
-            <a:fillRect/>
-          </a:stretch>
-        </p:blipFill>
-        <p:spPr>
-          <a:xfrm>
-            <a:off x="7361728" y="3994150"/>
-            <a:ext cx="4300048" cy="1201362"/>
-          </a:xfrm>
-          <a:prstGeom prst="rect">
-            <a:avLst/>
-          </a:prstGeom>
-        </p:spPr>
-      </p:pic>
-    </p:spTree>
-    <p:extLst>
-      <p:ext uri="{BB962C8B-B14F-4D97-AF65-F5344CB8AC3E}">
-        <p14:creationId xmlns:p14="http://schemas.microsoft.com/office/powerpoint/2010/main" val="1275768277"/>
-      </p:ext>
-    </p:extLst>
-  </p:cSld>
-  <p:clrMapOvr>
-    <a:masterClrMapping/>
-  </p:clrMapOvr>
-</p:sld>
-</file>
-
-<file path=ppt/slides/slide2.xml><?xml version="1.0" encoding="utf-8"?>
-<p:sld xmlns:a="http://schemas.openxmlformats.org/drawingml/2006/main" xmlns:r="http://schemas.openxmlformats.org/officeDocument/2006/relationships" xmlns:p="http://schemas.openxmlformats.org/presentationml/2006/main">
-  <p:cSld>
-    <p:spTree>
-      <p:nvGrpSpPr>
         <p:cNvPr id="1" name="">
           <a:extLst>
             <a:ext uri="{FF2B5EF4-FFF2-40B4-BE49-F238E27FC236}">
@@ -3612,8 +3348,8 @@
         </p:nvSpPr>
         <p:spPr>
           <a:xfrm>
-            <a:off x="0" y="3899114"/>
-            <a:ext cx="12192000" cy="1163793"/>
+            <a:off x="0" y="-6986"/>
+            <a:ext cx="12192000" cy="6864986"/>
           </a:xfrm>
           <a:prstGeom prst="rect">
             <a:avLst/>
@@ -5583,6 +5319,4908 @@
     <p:extLst>
       <p:ext uri="{BB962C8B-B14F-4D97-AF65-F5344CB8AC3E}">
         <p14:creationId xmlns:p14="http://schemas.microsoft.com/office/powerpoint/2010/main" val="3816107230"/>
+      </p:ext>
+    </p:extLst>
+  </p:cSld>
+  <p:clrMapOvr>
+    <a:masterClrMapping/>
+  </p:clrMapOvr>
+</p:sld>
+</file>
+
+<file path=ppt/slides/slide2.xml><?xml version="1.0" encoding="utf-8"?>
+<p:sld xmlns:a="http://schemas.openxmlformats.org/drawingml/2006/main" xmlns:r="http://schemas.openxmlformats.org/officeDocument/2006/relationships" xmlns:p="http://schemas.openxmlformats.org/presentationml/2006/main">
+  <p:cSld>
+    <p:spTree>
+      <p:nvGrpSpPr>
+        <p:cNvPr id="1" name=""/>
+        <p:cNvGrpSpPr/>
+        <p:nvPr/>
+      </p:nvGrpSpPr>
+      <p:grpSpPr>
+        <a:xfrm>
+          <a:off x="0" y="0"/>
+          <a:ext cx="0" cy="0"/>
+          <a:chOff x="0" y="0"/>
+          <a:chExt cx="0" cy="0"/>
+        </a:xfrm>
+      </p:grpSpPr>
+      <p:pic>
+        <p:nvPicPr>
+          <p:cNvPr id="3" name="Picture 2">
+            <a:extLst>
+              <a:ext uri="{FF2B5EF4-FFF2-40B4-BE49-F238E27FC236}">
+                <a16:creationId xmlns:a16="http://schemas.microsoft.com/office/drawing/2014/main" id="{A354D263-CA10-2A6C-421B-A98B4F8890FE}"/>
+              </a:ext>
+            </a:extLst>
+          </p:cNvPr>
+          <p:cNvPicPr>
+            <a:picLocks noChangeAspect="1"/>
+          </p:cNvPicPr>
+          <p:nvPr/>
+        </p:nvPicPr>
+        <p:blipFill>
+          <a:blip r:embed="rId2"/>
+          <a:stretch>
+            <a:fillRect/>
+          </a:stretch>
+        </p:blipFill>
+        <p:spPr>
+          <a:xfrm>
+            <a:off x="0" y="0"/>
+            <a:ext cx="7838715" cy="6858000"/>
+          </a:xfrm>
+          <a:prstGeom prst="rect">
+            <a:avLst/>
+          </a:prstGeom>
+        </p:spPr>
+      </p:pic>
+    </p:spTree>
+    <p:extLst>
+      <p:ext uri="{BB962C8B-B14F-4D97-AF65-F5344CB8AC3E}">
+        <p14:creationId xmlns:p14="http://schemas.microsoft.com/office/powerpoint/2010/main" val="2343632980"/>
+      </p:ext>
+    </p:extLst>
+  </p:cSld>
+  <p:clrMapOvr>
+    <a:masterClrMapping/>
+  </p:clrMapOvr>
+</p:sld>
+</file>
+
+<file path=ppt/slides/slide3.xml><?xml version="1.0" encoding="utf-8"?>
+<p:sld xmlns:a="http://schemas.openxmlformats.org/drawingml/2006/main" xmlns:r="http://schemas.openxmlformats.org/officeDocument/2006/relationships" xmlns:p="http://schemas.openxmlformats.org/presentationml/2006/main">
+  <p:cSld>
+    <p:spTree>
+      <p:nvGrpSpPr>
+        <p:cNvPr id="1" name="">
+          <a:extLst>
+            <a:ext uri="{FF2B5EF4-FFF2-40B4-BE49-F238E27FC236}">
+              <a16:creationId xmlns:a16="http://schemas.microsoft.com/office/drawing/2014/main" id="{87CE5E9C-BCA8-3D7A-7C60-228DA0BE76D3}"/>
+            </a:ext>
+          </a:extLst>
+        </p:cNvPr>
+        <p:cNvGrpSpPr/>
+        <p:nvPr/>
+      </p:nvGrpSpPr>
+      <p:grpSpPr>
+        <a:xfrm>
+          <a:off x="0" y="0"/>
+          <a:ext cx="0" cy="0"/>
+          <a:chOff x="0" y="0"/>
+          <a:chExt cx="0" cy="0"/>
+        </a:xfrm>
+      </p:grpSpPr>
+      <p:sp>
+        <p:nvSpPr>
+          <p:cNvPr id="105" name="Rectangle 104">
+            <a:extLst>
+              <a:ext uri="{FF2B5EF4-FFF2-40B4-BE49-F238E27FC236}">
+                <a16:creationId xmlns:a16="http://schemas.microsoft.com/office/drawing/2014/main" id="{98B0EBC0-6595-6C58-9A3C-10040736C071}"/>
+              </a:ext>
+            </a:extLst>
+          </p:cNvPr>
+          <p:cNvSpPr/>
+          <p:nvPr/>
+        </p:nvSpPr>
+        <p:spPr>
+          <a:xfrm>
+            <a:off x="0" y="-6986"/>
+            <a:ext cx="12192000" cy="6864986"/>
+          </a:xfrm>
+          <a:prstGeom prst="rect">
+            <a:avLst/>
+          </a:prstGeom>
+          <a:solidFill>
+            <a:schemeClr val="accent1">
+              <a:lumMod val="60000"/>
+              <a:lumOff val="40000"/>
+              <a:alpha val="15000"/>
+            </a:schemeClr>
+          </a:solidFill>
+        </p:spPr>
+        <p:style>
+          <a:lnRef idx="2">
+            <a:schemeClr val="accent1">
+              <a:shade val="15000"/>
+            </a:schemeClr>
+          </a:lnRef>
+          <a:fillRef idx="1">
+            <a:schemeClr val="accent1"/>
+          </a:fillRef>
+          <a:effectRef idx="0">
+            <a:schemeClr val="accent1"/>
+          </a:effectRef>
+          <a:fontRef idx="minor">
+            <a:schemeClr val="lt1"/>
+          </a:fontRef>
+        </p:style>
+        <p:txBody>
+          <a:bodyPr rtlCol="0" anchor="ctr"/>
+          <a:lstStyle/>
+          <a:p>
+            <a:pPr algn="ctr"/>
+            <a:endParaRPr lang="en-US" dirty="0">
+              <a:highlight>
+                <a:srgbClr val="FFFF00"/>
+              </a:highlight>
+            </a:endParaRPr>
+          </a:p>
+        </p:txBody>
+      </p:sp>
+      <p:grpSp>
+        <p:nvGrpSpPr>
+          <p:cNvPr id="103" name="Group 102">
+            <a:extLst>
+              <a:ext uri="{FF2B5EF4-FFF2-40B4-BE49-F238E27FC236}">
+                <a16:creationId xmlns:a16="http://schemas.microsoft.com/office/drawing/2014/main" id="{8B53E7B3-962A-AC9F-014E-96114311E002}"/>
+              </a:ext>
+            </a:extLst>
+          </p:cNvPr>
+          <p:cNvGrpSpPr/>
+          <p:nvPr/>
+        </p:nvGrpSpPr>
+        <p:grpSpPr>
+          <a:xfrm>
+            <a:off x="946150" y="-1295"/>
+            <a:ext cx="2701925" cy="4198856"/>
+            <a:chOff x="946150" y="-1295"/>
+            <a:chExt cx="2701925" cy="3900409"/>
+          </a:xfrm>
+        </p:grpSpPr>
+        <p:cxnSp>
+          <p:nvCxnSpPr>
+            <p:cNvPr id="4" name="Straight Connector 3">
+              <a:extLst>
+                <a:ext uri="{FF2B5EF4-FFF2-40B4-BE49-F238E27FC236}">
+                  <a16:creationId xmlns:a16="http://schemas.microsoft.com/office/drawing/2014/main" id="{42CB6918-4941-5591-CAB6-5221EE462908}"/>
+                </a:ext>
+              </a:extLst>
+            </p:cNvPr>
+            <p:cNvCxnSpPr>
+              <a:cxnSpLocks/>
+            </p:cNvCxnSpPr>
+            <p:nvPr/>
+          </p:nvCxnSpPr>
+          <p:spPr>
+            <a:xfrm>
+              <a:off x="946150" y="-1295"/>
+              <a:ext cx="0" cy="3900409"/>
+            </a:xfrm>
+            <a:prstGeom prst="line">
+              <a:avLst/>
+            </a:prstGeom>
+            <a:ln w="38100">
+              <a:solidFill>
+                <a:schemeClr val="tx1">
+                  <a:lumMod val="65000"/>
+                  <a:lumOff val="35000"/>
+                </a:schemeClr>
+              </a:solidFill>
+            </a:ln>
+          </p:spPr>
+          <p:style>
+            <a:lnRef idx="2">
+              <a:schemeClr val="accent1"/>
+            </a:lnRef>
+            <a:fillRef idx="0">
+              <a:schemeClr val="accent1"/>
+            </a:fillRef>
+            <a:effectRef idx="1">
+              <a:schemeClr val="accent1"/>
+            </a:effectRef>
+            <a:fontRef idx="minor">
+              <a:schemeClr val="tx1"/>
+            </a:fontRef>
+          </p:style>
+        </p:cxnSp>
+        <p:cxnSp>
+          <p:nvCxnSpPr>
+            <p:cNvPr id="6" name="Straight Connector 5">
+              <a:extLst>
+                <a:ext uri="{FF2B5EF4-FFF2-40B4-BE49-F238E27FC236}">
+                  <a16:creationId xmlns:a16="http://schemas.microsoft.com/office/drawing/2014/main" id="{CAA200ED-D6B1-FDD3-4541-F2D3F159EF08}"/>
+                </a:ext>
+              </a:extLst>
+            </p:cNvPr>
+            <p:cNvCxnSpPr>
+              <a:cxnSpLocks/>
+            </p:cNvCxnSpPr>
+            <p:nvPr/>
+          </p:nvCxnSpPr>
+          <p:spPr>
+            <a:xfrm>
+              <a:off x="3648075" y="-1295"/>
+              <a:ext cx="0" cy="3900409"/>
+            </a:xfrm>
+            <a:prstGeom prst="line">
+              <a:avLst/>
+            </a:prstGeom>
+            <a:ln w="38100">
+              <a:solidFill>
+                <a:schemeClr val="tx1">
+                  <a:lumMod val="65000"/>
+                  <a:lumOff val="35000"/>
+                </a:schemeClr>
+              </a:solidFill>
+            </a:ln>
+          </p:spPr>
+          <p:style>
+            <a:lnRef idx="2">
+              <a:schemeClr val="accent1"/>
+            </a:lnRef>
+            <a:fillRef idx="0">
+              <a:schemeClr val="accent1"/>
+            </a:fillRef>
+            <a:effectRef idx="1">
+              <a:schemeClr val="accent1"/>
+            </a:effectRef>
+            <a:fontRef idx="minor">
+              <a:schemeClr val="tx1"/>
+            </a:fontRef>
+          </p:style>
+        </p:cxnSp>
+      </p:grpSp>
+      <p:cxnSp>
+        <p:nvCxnSpPr>
+          <p:cNvPr id="10" name="Straight Connector 9">
+            <a:extLst>
+              <a:ext uri="{FF2B5EF4-FFF2-40B4-BE49-F238E27FC236}">
+                <a16:creationId xmlns:a16="http://schemas.microsoft.com/office/drawing/2014/main" id="{57827844-AC0B-AA9B-1C7C-EB242DCF388D}"/>
+              </a:ext>
+            </a:extLst>
+          </p:cNvPr>
+          <p:cNvCxnSpPr>
+            <a:cxnSpLocks/>
+          </p:cNvCxnSpPr>
+          <p:nvPr/>
+        </p:nvCxnSpPr>
+        <p:spPr>
+          <a:xfrm>
+            <a:off x="7369175" y="-1295"/>
+            <a:ext cx="0" cy="2636325"/>
+          </a:xfrm>
+          <a:prstGeom prst="line">
+            <a:avLst/>
+          </a:prstGeom>
+          <a:ln w="38100">
+            <a:solidFill>
+              <a:schemeClr val="tx1">
+                <a:lumMod val="65000"/>
+                <a:lumOff val="35000"/>
+              </a:schemeClr>
+            </a:solidFill>
+          </a:ln>
+        </p:spPr>
+        <p:style>
+          <a:lnRef idx="2">
+            <a:schemeClr val="accent1"/>
+          </a:lnRef>
+          <a:fillRef idx="0">
+            <a:schemeClr val="accent1"/>
+          </a:fillRef>
+          <a:effectRef idx="1">
+            <a:schemeClr val="accent1"/>
+          </a:effectRef>
+          <a:fontRef idx="minor">
+            <a:schemeClr val="tx1"/>
+          </a:fontRef>
+        </p:style>
+      </p:cxnSp>
+      <p:cxnSp>
+        <p:nvCxnSpPr>
+          <p:cNvPr id="16" name="Straight Connector 15">
+            <a:extLst>
+              <a:ext uri="{FF2B5EF4-FFF2-40B4-BE49-F238E27FC236}">
+                <a16:creationId xmlns:a16="http://schemas.microsoft.com/office/drawing/2014/main" id="{26494847-5D60-05E4-FBB7-6DD23EBB8245}"/>
+              </a:ext>
+            </a:extLst>
+          </p:cNvPr>
+          <p:cNvCxnSpPr>
+            <a:cxnSpLocks/>
+          </p:cNvCxnSpPr>
+          <p:nvPr/>
+        </p:nvCxnSpPr>
+        <p:spPr>
+          <a:xfrm>
+            <a:off x="0" y="491988"/>
+            <a:ext cx="12192000" cy="0"/>
+          </a:xfrm>
+          <a:prstGeom prst="line">
+            <a:avLst/>
+          </a:prstGeom>
+          <a:ln w="28575">
+            <a:solidFill>
+              <a:schemeClr val="tx1">
+                <a:lumMod val="65000"/>
+                <a:lumOff val="35000"/>
+              </a:schemeClr>
+            </a:solidFill>
+          </a:ln>
+        </p:spPr>
+        <p:style>
+          <a:lnRef idx="2">
+            <a:schemeClr val="accent1"/>
+          </a:lnRef>
+          <a:fillRef idx="0">
+            <a:schemeClr val="accent1"/>
+          </a:fillRef>
+          <a:effectRef idx="1">
+            <a:schemeClr val="accent1"/>
+          </a:effectRef>
+          <a:fontRef idx="minor">
+            <a:schemeClr val="tx1"/>
+          </a:fontRef>
+        </p:style>
+      </p:cxnSp>
+      <p:sp>
+        <p:nvSpPr>
+          <p:cNvPr id="20" name="TextBox 19">
+            <a:extLst>
+              <a:ext uri="{FF2B5EF4-FFF2-40B4-BE49-F238E27FC236}">
+                <a16:creationId xmlns:a16="http://schemas.microsoft.com/office/drawing/2014/main" id="{4F3205BB-4B76-30A1-F875-BAA7E1A98623}"/>
+              </a:ext>
+            </a:extLst>
+          </p:cNvPr>
+          <p:cNvSpPr txBox="1"/>
+          <p:nvPr/>
+        </p:nvSpPr>
+        <p:spPr>
+          <a:xfrm>
+            <a:off x="109772" y="73644"/>
+            <a:ext cx="727079" cy="276999"/>
+          </a:xfrm>
+          <a:prstGeom prst="rect">
+            <a:avLst/>
+          </a:prstGeom>
+          <a:noFill/>
+        </p:spPr>
+        <p:txBody>
+          <a:bodyPr wrap="square" rtlCol="0">
+            <a:spAutoFit/>
+          </a:bodyPr>
+          <a:lstStyle/>
+          <a:p>
+            <a:r>
+              <a:rPr lang="en-US" sz="1200" dirty="0"/>
+              <a:t>Target </a:t>
+            </a:r>
+          </a:p>
+        </p:txBody>
+      </p:sp>
+      <p:sp>
+        <p:nvSpPr>
+          <p:cNvPr id="28" name="TextBox 27">
+            <a:extLst>
+              <a:ext uri="{FF2B5EF4-FFF2-40B4-BE49-F238E27FC236}">
+                <a16:creationId xmlns:a16="http://schemas.microsoft.com/office/drawing/2014/main" id="{CBE6F305-7FDC-2490-56DF-EAFB8928FB8A}"/>
+              </a:ext>
+            </a:extLst>
+          </p:cNvPr>
+          <p:cNvSpPr txBox="1"/>
+          <p:nvPr/>
+        </p:nvSpPr>
+        <p:spPr>
+          <a:xfrm>
+            <a:off x="82551" y="1843170"/>
+            <a:ext cx="1136650" cy="276999"/>
+          </a:xfrm>
+          <a:prstGeom prst="rect">
+            <a:avLst/>
+          </a:prstGeom>
+          <a:noFill/>
+        </p:spPr>
+        <p:txBody>
+          <a:bodyPr wrap="square" rtlCol="0">
+            <a:spAutoFit/>
+          </a:bodyPr>
+          <a:lstStyle/>
+          <a:p>
+            <a:r>
+              <a:rPr lang="en-US" sz="1200" dirty="0"/>
+              <a:t>Binomial </a:t>
+            </a:r>
+          </a:p>
+        </p:txBody>
+      </p:sp>
+      <p:sp>
+        <p:nvSpPr>
+          <p:cNvPr id="32" name="TextBox 31">
+            <a:extLst>
+              <a:ext uri="{FF2B5EF4-FFF2-40B4-BE49-F238E27FC236}">
+                <a16:creationId xmlns:a16="http://schemas.microsoft.com/office/drawing/2014/main" id="{095E0E75-8CDD-F0F0-39AE-BB1BCFE9E765}"/>
+              </a:ext>
+            </a:extLst>
+          </p:cNvPr>
+          <p:cNvSpPr txBox="1"/>
+          <p:nvPr/>
+        </p:nvSpPr>
+        <p:spPr>
+          <a:xfrm>
+            <a:off x="1581998" y="54103"/>
+            <a:ext cx="1580299" cy="276999"/>
+          </a:xfrm>
+          <a:prstGeom prst="rect">
+            <a:avLst/>
+          </a:prstGeom>
+          <a:noFill/>
+        </p:spPr>
+        <p:txBody>
+          <a:bodyPr wrap="square" rtlCol="0">
+            <a:spAutoFit/>
+          </a:bodyPr>
+          <a:lstStyle/>
+          <a:p>
+            <a:r>
+              <a:rPr lang="en-US" sz="1200" dirty="0"/>
+              <a:t>Pi &amp; logit &amp; Odd ratio</a:t>
+            </a:r>
+          </a:p>
+        </p:txBody>
+      </p:sp>
+      <p:cxnSp>
+        <p:nvCxnSpPr>
+          <p:cNvPr id="56" name="Straight Connector 55">
+            <a:extLst>
+              <a:ext uri="{FF2B5EF4-FFF2-40B4-BE49-F238E27FC236}">
+                <a16:creationId xmlns:a16="http://schemas.microsoft.com/office/drawing/2014/main" id="{AED9EED7-DDBE-E588-C926-6D2FDAC58197}"/>
+              </a:ext>
+            </a:extLst>
+          </p:cNvPr>
+          <p:cNvCxnSpPr>
+            <a:cxnSpLocks/>
+          </p:cNvCxnSpPr>
+          <p:nvPr/>
+        </p:nvCxnSpPr>
+        <p:spPr>
+          <a:xfrm>
+            <a:off x="957474" y="2635029"/>
+            <a:ext cx="11234526" cy="0"/>
+          </a:xfrm>
+          <a:prstGeom prst="line">
+            <a:avLst/>
+          </a:prstGeom>
+          <a:ln w="28575">
+            <a:solidFill>
+              <a:schemeClr val="tx1">
+                <a:lumMod val="65000"/>
+                <a:lumOff val="35000"/>
+              </a:schemeClr>
+            </a:solidFill>
+          </a:ln>
+        </p:spPr>
+        <p:style>
+          <a:lnRef idx="2">
+            <a:schemeClr val="accent1"/>
+          </a:lnRef>
+          <a:fillRef idx="0">
+            <a:schemeClr val="accent1"/>
+          </a:fillRef>
+          <a:effectRef idx="1">
+            <a:schemeClr val="accent1"/>
+          </a:effectRef>
+          <a:fontRef idx="minor">
+            <a:schemeClr val="tx1"/>
+          </a:fontRef>
+        </p:style>
+      </p:cxnSp>
+      <p:cxnSp>
+        <p:nvCxnSpPr>
+          <p:cNvPr id="81" name="Straight Connector 80">
+            <a:extLst>
+              <a:ext uri="{FF2B5EF4-FFF2-40B4-BE49-F238E27FC236}">
+                <a16:creationId xmlns:a16="http://schemas.microsoft.com/office/drawing/2014/main" id="{F5460E45-0E48-1794-0535-0A71018E129E}"/>
+              </a:ext>
+            </a:extLst>
+          </p:cNvPr>
+          <p:cNvCxnSpPr/>
+          <p:nvPr/>
+        </p:nvCxnSpPr>
+        <p:spPr>
+          <a:xfrm>
+            <a:off x="0" y="4197564"/>
+            <a:ext cx="12192000" cy="0"/>
+          </a:xfrm>
+          <a:prstGeom prst="line">
+            <a:avLst/>
+          </a:prstGeom>
+        </p:spPr>
+        <p:style>
+          <a:lnRef idx="2">
+            <a:schemeClr val="accent1"/>
+          </a:lnRef>
+          <a:fillRef idx="0">
+            <a:schemeClr val="accent1"/>
+          </a:fillRef>
+          <a:effectRef idx="1">
+            <a:schemeClr val="accent1"/>
+          </a:effectRef>
+          <a:fontRef idx="minor">
+            <a:schemeClr val="tx1"/>
+          </a:fontRef>
+        </p:style>
+      </p:cxnSp>
+      <p:pic>
+        <p:nvPicPr>
+          <p:cNvPr id="3" name="Picture 2">
+            <a:extLst>
+              <a:ext uri="{FF2B5EF4-FFF2-40B4-BE49-F238E27FC236}">
+                <a16:creationId xmlns:a16="http://schemas.microsoft.com/office/drawing/2014/main" id="{788CFDD6-8C6E-D4F3-16C3-77DF2271A019}"/>
+              </a:ext>
+            </a:extLst>
+          </p:cNvPr>
+          <p:cNvPicPr>
+            <a:picLocks noChangeAspect="1"/>
+          </p:cNvPicPr>
+          <p:nvPr/>
+        </p:nvPicPr>
+        <p:blipFill>
+          <a:blip r:embed="rId2"/>
+          <a:stretch>
+            <a:fillRect/>
+          </a:stretch>
+        </p:blipFill>
+        <p:spPr>
+          <a:xfrm>
+            <a:off x="1156989" y="1632122"/>
+            <a:ext cx="2149701" cy="373678"/>
+          </a:xfrm>
+          <a:prstGeom prst="rect">
+            <a:avLst/>
+          </a:prstGeom>
+        </p:spPr>
+      </p:pic>
+      <p:pic>
+        <p:nvPicPr>
+          <p:cNvPr id="7" name="Picture 6">
+            <a:extLst>
+              <a:ext uri="{FF2B5EF4-FFF2-40B4-BE49-F238E27FC236}">
+                <a16:creationId xmlns:a16="http://schemas.microsoft.com/office/drawing/2014/main" id="{7725E316-FC2F-DA4B-C063-DC607938639D}"/>
+              </a:ext>
+            </a:extLst>
+          </p:cNvPr>
+          <p:cNvPicPr>
+            <a:picLocks noChangeAspect="1"/>
+          </p:cNvPicPr>
+          <p:nvPr/>
+        </p:nvPicPr>
+        <p:blipFill>
+          <a:blip r:embed="rId3"/>
+          <a:stretch>
+            <a:fillRect/>
+          </a:stretch>
+        </p:blipFill>
+        <p:spPr>
+          <a:xfrm>
+            <a:off x="1021849" y="625128"/>
+            <a:ext cx="2585927" cy="391110"/>
+          </a:xfrm>
+          <a:prstGeom prst="rect">
+            <a:avLst/>
+          </a:prstGeom>
+        </p:spPr>
+      </p:pic>
+      <p:pic>
+        <p:nvPicPr>
+          <p:cNvPr id="11" name="Picture 10">
+            <a:extLst>
+              <a:ext uri="{FF2B5EF4-FFF2-40B4-BE49-F238E27FC236}">
+                <a16:creationId xmlns:a16="http://schemas.microsoft.com/office/drawing/2014/main" id="{5CB30B84-2173-8A9D-D06F-5D6F23E86643}"/>
+              </a:ext>
+            </a:extLst>
+          </p:cNvPr>
+          <p:cNvPicPr>
+            <a:picLocks noChangeAspect="1"/>
+          </p:cNvPicPr>
+          <p:nvPr/>
+        </p:nvPicPr>
+        <p:blipFill>
+          <a:blip r:embed="rId4"/>
+          <a:stretch>
+            <a:fillRect/>
+          </a:stretch>
+        </p:blipFill>
+        <p:spPr>
+          <a:xfrm>
+            <a:off x="7477066" y="533658"/>
+            <a:ext cx="3613209" cy="405143"/>
+          </a:xfrm>
+          <a:prstGeom prst="rect">
+            <a:avLst/>
+          </a:prstGeom>
+        </p:spPr>
+      </p:pic>
+      <p:pic>
+        <p:nvPicPr>
+          <p:cNvPr id="13" name="Picture 12">
+            <a:extLst>
+              <a:ext uri="{FF2B5EF4-FFF2-40B4-BE49-F238E27FC236}">
+                <a16:creationId xmlns:a16="http://schemas.microsoft.com/office/drawing/2014/main" id="{B490CD4A-E963-1146-D877-BF9941848D32}"/>
+              </a:ext>
+            </a:extLst>
+          </p:cNvPr>
+          <p:cNvPicPr>
+            <a:picLocks noChangeAspect="1"/>
+          </p:cNvPicPr>
+          <p:nvPr/>
+        </p:nvPicPr>
+        <p:blipFill>
+          <a:blip r:embed="rId5"/>
+          <a:stretch>
+            <a:fillRect/>
+          </a:stretch>
+        </p:blipFill>
+        <p:spPr>
+          <a:xfrm>
+            <a:off x="3851246" y="796200"/>
+            <a:ext cx="938164" cy="383959"/>
+          </a:xfrm>
+          <a:prstGeom prst="rect">
+            <a:avLst/>
+          </a:prstGeom>
+        </p:spPr>
+      </p:pic>
+      <p:pic>
+        <p:nvPicPr>
+          <p:cNvPr id="15" name="Picture 14">
+            <a:extLst>
+              <a:ext uri="{FF2B5EF4-FFF2-40B4-BE49-F238E27FC236}">
+                <a16:creationId xmlns:a16="http://schemas.microsoft.com/office/drawing/2014/main" id="{2BF24C5D-3E22-6CE3-5003-CEBC4E022D75}"/>
+              </a:ext>
+            </a:extLst>
+          </p:cNvPr>
+          <p:cNvPicPr>
+            <a:picLocks noChangeAspect="1"/>
+          </p:cNvPicPr>
+          <p:nvPr/>
+        </p:nvPicPr>
+        <p:blipFill>
+          <a:blip r:embed="rId6"/>
+          <a:stretch>
+            <a:fillRect/>
+          </a:stretch>
+        </p:blipFill>
+        <p:spPr>
+          <a:xfrm>
+            <a:off x="3884824" y="562387"/>
+            <a:ext cx="728662" cy="180975"/>
+          </a:xfrm>
+          <a:prstGeom prst="rect">
+            <a:avLst/>
+          </a:prstGeom>
+        </p:spPr>
+      </p:pic>
+      <p:pic>
+        <p:nvPicPr>
+          <p:cNvPr id="18" name="Picture 17">
+            <a:extLst>
+              <a:ext uri="{FF2B5EF4-FFF2-40B4-BE49-F238E27FC236}">
+                <a16:creationId xmlns:a16="http://schemas.microsoft.com/office/drawing/2014/main" id="{6415C9ED-6BE0-2A25-7B5A-A35D96FEDC53}"/>
+              </a:ext>
+            </a:extLst>
+          </p:cNvPr>
+          <p:cNvPicPr>
+            <a:picLocks noChangeAspect="1"/>
+          </p:cNvPicPr>
+          <p:nvPr/>
+        </p:nvPicPr>
+        <p:blipFill>
+          <a:blip r:embed="rId7"/>
+          <a:stretch>
+            <a:fillRect/>
+          </a:stretch>
+        </p:blipFill>
+        <p:spPr>
+          <a:xfrm>
+            <a:off x="7477066" y="1115778"/>
+            <a:ext cx="2866257" cy="395967"/>
+          </a:xfrm>
+          <a:prstGeom prst="rect">
+            <a:avLst/>
+          </a:prstGeom>
+        </p:spPr>
+      </p:pic>
+      <p:pic>
+        <p:nvPicPr>
+          <p:cNvPr id="21" name="Picture 20">
+            <a:extLst>
+              <a:ext uri="{FF2B5EF4-FFF2-40B4-BE49-F238E27FC236}">
+                <a16:creationId xmlns:a16="http://schemas.microsoft.com/office/drawing/2014/main" id="{67247BA4-85FD-E26E-9CAE-3A1FB9659E0E}"/>
+              </a:ext>
+            </a:extLst>
+          </p:cNvPr>
+          <p:cNvPicPr>
+            <a:picLocks noChangeAspect="1"/>
+          </p:cNvPicPr>
+          <p:nvPr/>
+        </p:nvPicPr>
+        <p:blipFill>
+          <a:blip r:embed="rId8"/>
+          <a:stretch>
+            <a:fillRect/>
+          </a:stretch>
+        </p:blipFill>
+        <p:spPr>
+          <a:xfrm>
+            <a:off x="7477066" y="957858"/>
+            <a:ext cx="1325588" cy="177048"/>
+          </a:xfrm>
+          <a:prstGeom prst="rect">
+            <a:avLst/>
+          </a:prstGeom>
+        </p:spPr>
+      </p:pic>
+      <p:pic>
+        <p:nvPicPr>
+          <p:cNvPr id="29" name="Picture 28">
+            <a:extLst>
+              <a:ext uri="{FF2B5EF4-FFF2-40B4-BE49-F238E27FC236}">
+                <a16:creationId xmlns:a16="http://schemas.microsoft.com/office/drawing/2014/main" id="{32F32A7D-4BFC-890F-16FA-D2EE5E37EA39}"/>
+              </a:ext>
+            </a:extLst>
+          </p:cNvPr>
+          <p:cNvPicPr>
+            <a:picLocks noChangeAspect="1"/>
+          </p:cNvPicPr>
+          <p:nvPr/>
+        </p:nvPicPr>
+        <p:blipFill>
+          <a:blip r:embed="rId9"/>
+          <a:stretch>
+            <a:fillRect/>
+          </a:stretch>
+        </p:blipFill>
+        <p:spPr>
+          <a:xfrm>
+            <a:off x="1021849" y="2674555"/>
+            <a:ext cx="1466112" cy="284091"/>
+          </a:xfrm>
+          <a:prstGeom prst="rect">
+            <a:avLst/>
+          </a:prstGeom>
+        </p:spPr>
+      </p:pic>
+      <p:pic>
+        <p:nvPicPr>
+          <p:cNvPr id="42" name="Picture 41">
+            <a:extLst>
+              <a:ext uri="{FF2B5EF4-FFF2-40B4-BE49-F238E27FC236}">
+                <a16:creationId xmlns:a16="http://schemas.microsoft.com/office/drawing/2014/main" id="{75EEA794-CD1C-525F-6969-6909A838A53F}"/>
+              </a:ext>
+            </a:extLst>
+          </p:cNvPr>
+          <p:cNvPicPr>
+            <a:picLocks noChangeAspect="1"/>
+          </p:cNvPicPr>
+          <p:nvPr/>
+        </p:nvPicPr>
+        <p:blipFill>
+          <a:blip r:embed="rId10"/>
+          <a:stretch>
+            <a:fillRect/>
+          </a:stretch>
+        </p:blipFill>
+        <p:spPr>
+          <a:xfrm>
+            <a:off x="986448" y="3134468"/>
+            <a:ext cx="1968500" cy="257461"/>
+          </a:xfrm>
+          <a:prstGeom prst="rect">
+            <a:avLst/>
+          </a:prstGeom>
+        </p:spPr>
+      </p:pic>
+      <p:pic>
+        <p:nvPicPr>
+          <p:cNvPr id="45" name="Picture 44">
+            <a:extLst>
+              <a:ext uri="{FF2B5EF4-FFF2-40B4-BE49-F238E27FC236}">
+                <a16:creationId xmlns:a16="http://schemas.microsoft.com/office/drawing/2014/main" id="{31CE1DB6-7752-0DF5-3A7F-F2C7850CA672}"/>
+              </a:ext>
+            </a:extLst>
+          </p:cNvPr>
+          <p:cNvPicPr>
+            <a:picLocks noChangeAspect="1"/>
+          </p:cNvPicPr>
+          <p:nvPr/>
+        </p:nvPicPr>
+        <p:blipFill>
+          <a:blip r:embed="rId11"/>
+          <a:stretch>
+            <a:fillRect/>
+          </a:stretch>
+        </p:blipFill>
+        <p:spPr>
+          <a:xfrm>
+            <a:off x="957474" y="3578508"/>
+            <a:ext cx="2581303" cy="420864"/>
+          </a:xfrm>
+          <a:prstGeom prst="rect">
+            <a:avLst/>
+          </a:prstGeom>
+        </p:spPr>
+      </p:pic>
+      <p:pic>
+        <p:nvPicPr>
+          <p:cNvPr id="50" name="Picture 49">
+            <a:extLst>
+              <a:ext uri="{FF2B5EF4-FFF2-40B4-BE49-F238E27FC236}">
+                <a16:creationId xmlns:a16="http://schemas.microsoft.com/office/drawing/2014/main" id="{C1848410-132A-BAB4-2020-A36D401C0B6C}"/>
+              </a:ext>
+            </a:extLst>
+          </p:cNvPr>
+          <p:cNvPicPr>
+            <a:picLocks noChangeAspect="1"/>
+          </p:cNvPicPr>
+          <p:nvPr/>
+        </p:nvPicPr>
+        <p:blipFill>
+          <a:blip r:embed="rId12"/>
+          <a:stretch>
+            <a:fillRect/>
+          </a:stretch>
+        </p:blipFill>
+        <p:spPr>
+          <a:xfrm>
+            <a:off x="7670799" y="3001910"/>
+            <a:ext cx="4228901" cy="522575"/>
+          </a:xfrm>
+          <a:prstGeom prst="rect">
+            <a:avLst/>
+          </a:prstGeom>
+        </p:spPr>
+      </p:pic>
+      <p:pic>
+        <p:nvPicPr>
+          <p:cNvPr id="54" name="Picture 53">
+            <a:extLst>
+              <a:ext uri="{FF2B5EF4-FFF2-40B4-BE49-F238E27FC236}">
+                <a16:creationId xmlns:a16="http://schemas.microsoft.com/office/drawing/2014/main" id="{39F21D59-9E8A-F535-C532-3367B30106D2}"/>
+              </a:ext>
+            </a:extLst>
+          </p:cNvPr>
+          <p:cNvPicPr>
+            <a:picLocks noChangeAspect="1"/>
+          </p:cNvPicPr>
+          <p:nvPr/>
+        </p:nvPicPr>
+        <p:blipFill>
+          <a:blip r:embed="rId13"/>
+          <a:stretch>
+            <a:fillRect/>
+          </a:stretch>
+        </p:blipFill>
+        <p:spPr>
+          <a:xfrm>
+            <a:off x="5128561" y="624667"/>
+            <a:ext cx="1619239" cy="348586"/>
+          </a:xfrm>
+          <a:prstGeom prst="rect">
+            <a:avLst/>
+          </a:prstGeom>
+        </p:spPr>
+      </p:pic>
+      <p:pic>
+        <p:nvPicPr>
+          <p:cNvPr id="60" name="Picture 59">
+            <a:extLst>
+              <a:ext uri="{FF2B5EF4-FFF2-40B4-BE49-F238E27FC236}">
+                <a16:creationId xmlns:a16="http://schemas.microsoft.com/office/drawing/2014/main" id="{82419904-2F9E-E708-75E0-8A8A4750D44E}"/>
+              </a:ext>
+            </a:extLst>
+          </p:cNvPr>
+          <p:cNvPicPr>
+            <a:picLocks noChangeAspect="1"/>
+          </p:cNvPicPr>
+          <p:nvPr/>
+        </p:nvPicPr>
+        <p:blipFill>
+          <a:blip r:embed="rId14"/>
+          <a:stretch>
+            <a:fillRect/>
+          </a:stretch>
+        </p:blipFill>
+        <p:spPr>
+          <a:xfrm>
+            <a:off x="5064311" y="1020538"/>
+            <a:ext cx="1878013" cy="473449"/>
+          </a:xfrm>
+          <a:prstGeom prst="rect">
+            <a:avLst/>
+          </a:prstGeom>
+        </p:spPr>
+      </p:pic>
+      <p:sp>
+        <p:nvSpPr>
+          <p:cNvPr id="62" name="TextBox 61">
+            <a:extLst>
+              <a:ext uri="{FF2B5EF4-FFF2-40B4-BE49-F238E27FC236}">
+                <a16:creationId xmlns:a16="http://schemas.microsoft.com/office/drawing/2014/main" id="{870D61DF-C766-7502-0685-77B456B324F0}"/>
+              </a:ext>
+            </a:extLst>
+          </p:cNvPr>
+          <p:cNvSpPr txBox="1"/>
+          <p:nvPr/>
+        </p:nvSpPr>
+        <p:spPr>
+          <a:xfrm>
+            <a:off x="4789410" y="74605"/>
+            <a:ext cx="1628810" cy="276999"/>
+          </a:xfrm>
+          <a:prstGeom prst="rect">
+            <a:avLst/>
+          </a:prstGeom>
+          <a:noFill/>
+        </p:spPr>
+        <p:txBody>
+          <a:bodyPr wrap="square" rtlCol="0">
+            <a:spAutoFit/>
+          </a:bodyPr>
+          <a:lstStyle/>
+          <a:p>
+            <a:pPr algn="ctr"/>
+            <a:r>
+              <a:rPr lang="en-US" sz="1200" dirty="0"/>
+              <a:t>Confidence interval</a:t>
+            </a:r>
+          </a:p>
+        </p:txBody>
+      </p:sp>
+      <p:sp>
+        <p:nvSpPr>
+          <p:cNvPr id="68" name="TextBox 67">
+            <a:extLst>
+              <a:ext uri="{FF2B5EF4-FFF2-40B4-BE49-F238E27FC236}">
+                <a16:creationId xmlns:a16="http://schemas.microsoft.com/office/drawing/2014/main" id="{ECAFC8EE-F160-E5B7-74C4-445F5354DD07}"/>
+              </a:ext>
+            </a:extLst>
+          </p:cNvPr>
+          <p:cNvSpPr txBox="1"/>
+          <p:nvPr/>
+        </p:nvSpPr>
+        <p:spPr>
+          <a:xfrm>
+            <a:off x="8627053" y="81727"/>
+            <a:ext cx="1628810" cy="276999"/>
+          </a:xfrm>
+          <a:prstGeom prst="rect">
+            <a:avLst/>
+          </a:prstGeom>
+          <a:noFill/>
+        </p:spPr>
+        <p:txBody>
+          <a:bodyPr wrap="square" rtlCol="0">
+            <a:spAutoFit/>
+          </a:bodyPr>
+          <a:lstStyle/>
+          <a:p>
+            <a:pPr algn="ctr"/>
+            <a:r>
+              <a:rPr lang="en-US" sz="1200" dirty="0"/>
+              <a:t>H</a:t>
+            </a:r>
+            <a:r>
+              <a:rPr lang="en-US" sz="1200" baseline="-25000" dirty="0"/>
+              <a:t>0</a:t>
+            </a:r>
+            <a:r>
+              <a:rPr lang="en-US" sz="1200" dirty="0"/>
+              <a:t> Testing</a:t>
+            </a:r>
+          </a:p>
+        </p:txBody>
+      </p:sp>
+      <p:sp>
+        <p:nvSpPr>
+          <p:cNvPr id="70" name="TextBox 69">
+            <a:extLst>
+              <a:ext uri="{FF2B5EF4-FFF2-40B4-BE49-F238E27FC236}">
+                <a16:creationId xmlns:a16="http://schemas.microsoft.com/office/drawing/2014/main" id="{5339896A-E074-13EC-BCE4-DC91B42D9EC6}"/>
+              </a:ext>
+            </a:extLst>
+          </p:cNvPr>
+          <p:cNvSpPr txBox="1"/>
+          <p:nvPr/>
+        </p:nvSpPr>
+        <p:spPr>
+          <a:xfrm>
+            <a:off x="10451212" y="1180159"/>
+            <a:ext cx="1677285" cy="276999"/>
+          </a:xfrm>
+          <a:prstGeom prst="rect">
+            <a:avLst/>
+          </a:prstGeom>
+          <a:noFill/>
+        </p:spPr>
+        <p:txBody>
+          <a:bodyPr wrap="square" rtlCol="0">
+            <a:spAutoFit/>
+          </a:bodyPr>
+          <a:lstStyle/>
+          <a:p>
+            <a:r>
+              <a:rPr lang="en-US" sz="1200" dirty="0"/>
+              <a:t>Use </a:t>
+            </a:r>
+            <a:r>
+              <a:rPr lang="en-US" sz="1200" b="1" dirty="0"/>
+              <a:t>-2log(</a:t>
+            </a:r>
+            <a:r>
+              <a:rPr lang="en-US" sz="1200" b="1" dirty="0" err="1"/>
+              <a:t>lamba</a:t>
+            </a:r>
+            <a:r>
+              <a:rPr lang="en-US" sz="1200" b="1" dirty="0"/>
+              <a:t>) </a:t>
+            </a:r>
+          </a:p>
+        </p:txBody>
+      </p:sp>
+      <p:cxnSp>
+        <p:nvCxnSpPr>
+          <p:cNvPr id="72" name="Straight Connector 71">
+            <a:extLst>
+              <a:ext uri="{FF2B5EF4-FFF2-40B4-BE49-F238E27FC236}">
+                <a16:creationId xmlns:a16="http://schemas.microsoft.com/office/drawing/2014/main" id="{00F86771-F3A4-EB06-FEA7-9D8F68C354DC}"/>
+              </a:ext>
+            </a:extLst>
+          </p:cNvPr>
+          <p:cNvCxnSpPr>
+            <a:cxnSpLocks/>
+          </p:cNvCxnSpPr>
+          <p:nvPr/>
+        </p:nvCxnSpPr>
+        <p:spPr>
+          <a:xfrm>
+            <a:off x="957474" y="1571933"/>
+            <a:ext cx="11234526" cy="0"/>
+          </a:xfrm>
+          <a:prstGeom prst="line">
+            <a:avLst/>
+          </a:prstGeom>
+          <a:ln w="28575">
+            <a:solidFill>
+              <a:schemeClr val="tx1">
+                <a:lumMod val="65000"/>
+                <a:lumOff val="35000"/>
+              </a:schemeClr>
+            </a:solidFill>
+          </a:ln>
+        </p:spPr>
+        <p:style>
+          <a:lnRef idx="2">
+            <a:schemeClr val="accent1"/>
+          </a:lnRef>
+          <a:fillRef idx="0">
+            <a:schemeClr val="accent1"/>
+          </a:fillRef>
+          <a:effectRef idx="1">
+            <a:schemeClr val="accent1"/>
+          </a:effectRef>
+          <a:fontRef idx="minor">
+            <a:schemeClr val="tx1"/>
+          </a:fontRef>
+        </p:style>
+      </p:cxnSp>
+      <p:pic>
+        <p:nvPicPr>
+          <p:cNvPr id="78" name="Picture 77">
+            <a:extLst>
+              <a:ext uri="{FF2B5EF4-FFF2-40B4-BE49-F238E27FC236}">
+                <a16:creationId xmlns:a16="http://schemas.microsoft.com/office/drawing/2014/main" id="{04D1CFA1-CD15-3759-E8C6-A3E6DD2898D1}"/>
+              </a:ext>
+            </a:extLst>
+          </p:cNvPr>
+          <p:cNvPicPr>
+            <a:picLocks noChangeAspect="1"/>
+          </p:cNvPicPr>
+          <p:nvPr/>
+        </p:nvPicPr>
+        <p:blipFill>
+          <a:blip r:embed="rId15"/>
+          <a:stretch>
+            <a:fillRect/>
+          </a:stretch>
+        </p:blipFill>
+        <p:spPr>
+          <a:xfrm>
+            <a:off x="1141415" y="2085596"/>
+            <a:ext cx="2180849" cy="461333"/>
+          </a:xfrm>
+          <a:prstGeom prst="rect">
+            <a:avLst/>
+          </a:prstGeom>
+        </p:spPr>
+      </p:pic>
+      <p:pic>
+        <p:nvPicPr>
+          <p:cNvPr id="82" name="Picture 81">
+            <a:extLst>
+              <a:ext uri="{FF2B5EF4-FFF2-40B4-BE49-F238E27FC236}">
+                <a16:creationId xmlns:a16="http://schemas.microsoft.com/office/drawing/2014/main" id="{DBA0578D-0370-900F-1DF4-22A79B75E2D9}"/>
+              </a:ext>
+            </a:extLst>
+          </p:cNvPr>
+          <p:cNvPicPr>
+            <a:picLocks noChangeAspect="1"/>
+          </p:cNvPicPr>
+          <p:nvPr/>
+        </p:nvPicPr>
+        <p:blipFill>
+          <a:blip r:embed="rId16"/>
+          <a:stretch>
+            <a:fillRect/>
+          </a:stretch>
+        </p:blipFill>
+        <p:spPr>
+          <a:xfrm>
+            <a:off x="3712500" y="1608060"/>
+            <a:ext cx="1796125" cy="478734"/>
+          </a:xfrm>
+          <a:prstGeom prst="rect">
+            <a:avLst/>
+          </a:prstGeom>
+        </p:spPr>
+      </p:pic>
+      <p:pic>
+        <p:nvPicPr>
+          <p:cNvPr id="84" name="Picture 83">
+            <a:extLst>
+              <a:ext uri="{FF2B5EF4-FFF2-40B4-BE49-F238E27FC236}">
+                <a16:creationId xmlns:a16="http://schemas.microsoft.com/office/drawing/2014/main" id="{3914ED84-D280-FDDF-6012-4090D2619820}"/>
+              </a:ext>
+            </a:extLst>
+          </p:cNvPr>
+          <p:cNvPicPr>
+            <a:picLocks noChangeAspect="1"/>
+          </p:cNvPicPr>
+          <p:nvPr/>
+        </p:nvPicPr>
+        <p:blipFill>
+          <a:blip r:embed="rId17"/>
+          <a:stretch>
+            <a:fillRect/>
+          </a:stretch>
+        </p:blipFill>
+        <p:spPr>
+          <a:xfrm>
+            <a:off x="3712500" y="2135591"/>
+            <a:ext cx="3398873" cy="417586"/>
+          </a:xfrm>
+          <a:prstGeom prst="rect">
+            <a:avLst/>
+          </a:prstGeom>
+        </p:spPr>
+      </p:pic>
+      <p:pic>
+        <p:nvPicPr>
+          <p:cNvPr id="101" name="Picture 100">
+            <a:extLst>
+              <a:ext uri="{FF2B5EF4-FFF2-40B4-BE49-F238E27FC236}">
+                <a16:creationId xmlns:a16="http://schemas.microsoft.com/office/drawing/2014/main" id="{F46087BB-AE70-E734-89E2-C2F407F9B6C2}"/>
+              </a:ext>
+            </a:extLst>
+          </p:cNvPr>
+          <p:cNvPicPr>
+            <a:picLocks noChangeAspect="1"/>
+          </p:cNvPicPr>
+          <p:nvPr/>
+        </p:nvPicPr>
+        <p:blipFill>
+          <a:blip r:embed="rId18"/>
+          <a:stretch>
+            <a:fillRect/>
+          </a:stretch>
+        </p:blipFill>
+        <p:spPr>
+          <a:xfrm>
+            <a:off x="3757374" y="2749805"/>
+            <a:ext cx="3611801" cy="1332192"/>
+          </a:xfrm>
+          <a:prstGeom prst="rect">
+            <a:avLst/>
+          </a:prstGeom>
+        </p:spPr>
+      </p:pic>
+    </p:spTree>
+    <p:extLst>
+      <p:ext uri="{BB962C8B-B14F-4D97-AF65-F5344CB8AC3E}">
+        <p14:creationId xmlns:p14="http://schemas.microsoft.com/office/powerpoint/2010/main" val="934893705"/>
+      </p:ext>
+    </p:extLst>
+  </p:cSld>
+  <p:clrMapOvr>
+    <a:masterClrMapping/>
+  </p:clrMapOvr>
+</p:sld>
+</file>
+
+<file path=ppt/slides/slide4.xml><?xml version="1.0" encoding="utf-8"?>
+<p:sld xmlns:a="http://schemas.openxmlformats.org/drawingml/2006/main" xmlns:r="http://schemas.openxmlformats.org/officeDocument/2006/relationships" xmlns:p="http://schemas.openxmlformats.org/presentationml/2006/main">
+  <p:cSld>
+    <p:spTree>
+      <p:nvGrpSpPr>
+        <p:cNvPr id="1" name="">
+          <a:extLst>
+            <a:ext uri="{FF2B5EF4-FFF2-40B4-BE49-F238E27FC236}">
+              <a16:creationId xmlns:a16="http://schemas.microsoft.com/office/drawing/2014/main" id="{3FEB99F0-29E5-4870-C373-9DBAF2B0D0E5}"/>
+            </a:ext>
+          </a:extLst>
+        </p:cNvPr>
+        <p:cNvGrpSpPr/>
+        <p:nvPr/>
+      </p:nvGrpSpPr>
+      <p:grpSpPr>
+        <a:xfrm>
+          <a:off x="0" y="0"/>
+          <a:ext cx="0" cy="0"/>
+          <a:chOff x="0" y="0"/>
+          <a:chExt cx="0" cy="0"/>
+        </a:xfrm>
+      </p:grpSpPr>
+      <p:sp>
+        <p:nvSpPr>
+          <p:cNvPr id="66" name="Rectangle 65">
+            <a:extLst>
+              <a:ext uri="{FF2B5EF4-FFF2-40B4-BE49-F238E27FC236}">
+                <a16:creationId xmlns:a16="http://schemas.microsoft.com/office/drawing/2014/main" id="{2E1B435C-8E6E-9865-5BC5-3B1CC682FCCA}"/>
+              </a:ext>
+            </a:extLst>
+          </p:cNvPr>
+          <p:cNvSpPr/>
+          <p:nvPr/>
+        </p:nvSpPr>
+        <p:spPr>
+          <a:xfrm>
+            <a:off x="0" y="-6986"/>
+            <a:ext cx="12192000" cy="6864986"/>
+          </a:xfrm>
+          <a:prstGeom prst="rect">
+            <a:avLst/>
+          </a:prstGeom>
+          <a:solidFill>
+            <a:srgbClr val="FFFF00">
+              <a:alpha val="15000"/>
+            </a:srgbClr>
+          </a:solidFill>
+        </p:spPr>
+        <p:style>
+          <a:lnRef idx="2">
+            <a:schemeClr val="accent1">
+              <a:shade val="15000"/>
+            </a:schemeClr>
+          </a:lnRef>
+          <a:fillRef idx="1">
+            <a:schemeClr val="accent1"/>
+          </a:fillRef>
+          <a:effectRef idx="0">
+            <a:schemeClr val="accent1"/>
+          </a:effectRef>
+          <a:fontRef idx="minor">
+            <a:schemeClr val="lt1"/>
+          </a:fontRef>
+        </p:style>
+        <p:txBody>
+          <a:bodyPr rtlCol="0" anchor="ctr"/>
+          <a:lstStyle/>
+          <a:p>
+            <a:pPr algn="ctr"/>
+            <a:endParaRPr lang="en-US" dirty="0">
+              <a:highlight>
+                <a:srgbClr val="FFFF00"/>
+              </a:highlight>
+            </a:endParaRPr>
+          </a:p>
+        </p:txBody>
+      </p:sp>
+      <p:grpSp>
+        <p:nvGrpSpPr>
+          <p:cNvPr id="103" name="Group 102">
+            <a:extLst>
+              <a:ext uri="{FF2B5EF4-FFF2-40B4-BE49-F238E27FC236}">
+                <a16:creationId xmlns:a16="http://schemas.microsoft.com/office/drawing/2014/main" id="{14FBCC6C-61D2-5C60-E7C6-ECE2FE145B1F}"/>
+              </a:ext>
+            </a:extLst>
+          </p:cNvPr>
+          <p:cNvGrpSpPr/>
+          <p:nvPr/>
+        </p:nvGrpSpPr>
+        <p:grpSpPr>
+          <a:xfrm>
+            <a:off x="995278" y="-1292"/>
+            <a:ext cx="2701925" cy="3257355"/>
+            <a:chOff x="946150" y="-1295"/>
+            <a:chExt cx="2701925" cy="3900409"/>
+          </a:xfrm>
+        </p:grpSpPr>
+        <p:cxnSp>
+          <p:nvCxnSpPr>
+            <p:cNvPr id="4" name="Straight Connector 3">
+              <a:extLst>
+                <a:ext uri="{FF2B5EF4-FFF2-40B4-BE49-F238E27FC236}">
+                  <a16:creationId xmlns:a16="http://schemas.microsoft.com/office/drawing/2014/main" id="{A9B7AB6C-5B81-3DE8-10A0-C02C9D151A10}"/>
+                </a:ext>
+              </a:extLst>
+            </p:cNvPr>
+            <p:cNvCxnSpPr>
+              <a:cxnSpLocks/>
+            </p:cNvCxnSpPr>
+            <p:nvPr/>
+          </p:nvCxnSpPr>
+          <p:spPr>
+            <a:xfrm>
+              <a:off x="946150" y="-1295"/>
+              <a:ext cx="0" cy="3900409"/>
+            </a:xfrm>
+            <a:prstGeom prst="line">
+              <a:avLst/>
+            </a:prstGeom>
+            <a:ln w="38100">
+              <a:solidFill>
+                <a:schemeClr val="tx1">
+                  <a:lumMod val="65000"/>
+                  <a:lumOff val="35000"/>
+                </a:schemeClr>
+              </a:solidFill>
+            </a:ln>
+          </p:spPr>
+          <p:style>
+            <a:lnRef idx="2">
+              <a:schemeClr val="accent1"/>
+            </a:lnRef>
+            <a:fillRef idx="0">
+              <a:schemeClr val="accent1"/>
+            </a:fillRef>
+            <a:effectRef idx="1">
+              <a:schemeClr val="accent1"/>
+            </a:effectRef>
+            <a:fontRef idx="minor">
+              <a:schemeClr val="tx1"/>
+            </a:fontRef>
+          </p:style>
+        </p:cxnSp>
+        <p:cxnSp>
+          <p:nvCxnSpPr>
+            <p:cNvPr id="6" name="Straight Connector 5">
+              <a:extLst>
+                <a:ext uri="{FF2B5EF4-FFF2-40B4-BE49-F238E27FC236}">
+                  <a16:creationId xmlns:a16="http://schemas.microsoft.com/office/drawing/2014/main" id="{EDE6FA74-ECED-B6C3-AD48-4BDCB85F65A7}"/>
+                </a:ext>
+              </a:extLst>
+            </p:cNvPr>
+            <p:cNvCxnSpPr>
+              <a:cxnSpLocks/>
+            </p:cNvCxnSpPr>
+            <p:nvPr/>
+          </p:nvCxnSpPr>
+          <p:spPr>
+            <a:xfrm>
+              <a:off x="3648075" y="-1295"/>
+              <a:ext cx="0" cy="3900409"/>
+            </a:xfrm>
+            <a:prstGeom prst="line">
+              <a:avLst/>
+            </a:prstGeom>
+            <a:ln w="38100">
+              <a:solidFill>
+                <a:schemeClr val="tx1">
+                  <a:lumMod val="65000"/>
+                  <a:lumOff val="35000"/>
+                </a:schemeClr>
+              </a:solidFill>
+            </a:ln>
+          </p:spPr>
+          <p:style>
+            <a:lnRef idx="2">
+              <a:schemeClr val="accent1"/>
+            </a:lnRef>
+            <a:fillRef idx="0">
+              <a:schemeClr val="accent1"/>
+            </a:fillRef>
+            <a:effectRef idx="1">
+              <a:schemeClr val="accent1"/>
+            </a:effectRef>
+            <a:fontRef idx="minor">
+              <a:schemeClr val="tx1"/>
+            </a:fontRef>
+          </p:style>
+        </p:cxnSp>
+      </p:grpSp>
+      <p:cxnSp>
+        <p:nvCxnSpPr>
+          <p:cNvPr id="10" name="Straight Connector 9">
+            <a:extLst>
+              <a:ext uri="{FF2B5EF4-FFF2-40B4-BE49-F238E27FC236}">
+                <a16:creationId xmlns:a16="http://schemas.microsoft.com/office/drawing/2014/main" id="{68BD0557-82F9-EFD0-BC06-0E45E2D23DC9}"/>
+              </a:ext>
+            </a:extLst>
+          </p:cNvPr>
+          <p:cNvCxnSpPr>
+            <a:cxnSpLocks/>
+          </p:cNvCxnSpPr>
+          <p:nvPr/>
+        </p:nvCxnSpPr>
+        <p:spPr>
+          <a:xfrm>
+            <a:off x="5692775" y="15789"/>
+            <a:ext cx="0" cy="3257355"/>
+          </a:xfrm>
+          <a:prstGeom prst="line">
+            <a:avLst/>
+          </a:prstGeom>
+          <a:ln w="38100">
+            <a:solidFill>
+              <a:schemeClr val="tx1">
+                <a:lumMod val="65000"/>
+                <a:lumOff val="35000"/>
+              </a:schemeClr>
+            </a:solidFill>
+          </a:ln>
+        </p:spPr>
+        <p:style>
+          <a:lnRef idx="2">
+            <a:schemeClr val="accent1"/>
+          </a:lnRef>
+          <a:fillRef idx="0">
+            <a:schemeClr val="accent1"/>
+          </a:fillRef>
+          <a:effectRef idx="1">
+            <a:schemeClr val="accent1"/>
+          </a:effectRef>
+          <a:fontRef idx="minor">
+            <a:schemeClr val="tx1"/>
+          </a:fontRef>
+        </p:style>
+      </p:cxnSp>
+      <p:cxnSp>
+        <p:nvCxnSpPr>
+          <p:cNvPr id="16" name="Straight Connector 15">
+            <a:extLst>
+              <a:ext uri="{FF2B5EF4-FFF2-40B4-BE49-F238E27FC236}">
+                <a16:creationId xmlns:a16="http://schemas.microsoft.com/office/drawing/2014/main" id="{5BF9FA8F-7A2A-6FE7-0E5E-24B857D795F2}"/>
+              </a:ext>
+            </a:extLst>
+          </p:cNvPr>
+          <p:cNvCxnSpPr>
+            <a:cxnSpLocks/>
+          </p:cNvCxnSpPr>
+          <p:nvPr/>
+        </p:nvCxnSpPr>
+        <p:spPr>
+          <a:xfrm>
+            <a:off x="0" y="491988"/>
+            <a:ext cx="12192000" cy="0"/>
+          </a:xfrm>
+          <a:prstGeom prst="line">
+            <a:avLst/>
+          </a:prstGeom>
+          <a:ln w="28575">
+            <a:solidFill>
+              <a:schemeClr val="tx1">
+                <a:lumMod val="65000"/>
+                <a:lumOff val="35000"/>
+              </a:schemeClr>
+            </a:solidFill>
+          </a:ln>
+        </p:spPr>
+        <p:style>
+          <a:lnRef idx="2">
+            <a:schemeClr val="accent1"/>
+          </a:lnRef>
+          <a:fillRef idx="0">
+            <a:schemeClr val="accent1"/>
+          </a:fillRef>
+          <a:effectRef idx="1">
+            <a:schemeClr val="accent1"/>
+          </a:effectRef>
+          <a:fontRef idx="minor">
+            <a:schemeClr val="tx1"/>
+          </a:fontRef>
+        </p:style>
+      </p:cxnSp>
+      <p:sp>
+        <p:nvSpPr>
+          <p:cNvPr id="20" name="TextBox 19">
+            <a:extLst>
+              <a:ext uri="{FF2B5EF4-FFF2-40B4-BE49-F238E27FC236}">
+                <a16:creationId xmlns:a16="http://schemas.microsoft.com/office/drawing/2014/main" id="{E4428AF5-CCAF-8ED2-87D6-1FD4D09299CE}"/>
+              </a:ext>
+            </a:extLst>
+          </p:cNvPr>
+          <p:cNvSpPr txBox="1"/>
+          <p:nvPr/>
+        </p:nvSpPr>
+        <p:spPr>
+          <a:xfrm>
+            <a:off x="0" y="68058"/>
+            <a:ext cx="986448" cy="276999"/>
+          </a:xfrm>
+          <a:prstGeom prst="rect">
+            <a:avLst/>
+          </a:prstGeom>
+          <a:noFill/>
+        </p:spPr>
+        <p:txBody>
+          <a:bodyPr wrap="square" rtlCol="0">
+            <a:spAutoFit/>
+          </a:bodyPr>
+          <a:lstStyle/>
+          <a:p>
+            <a:r>
+              <a:rPr lang="en-US" sz="1200" dirty="0"/>
+              <a:t>Distribution </a:t>
+            </a:r>
+          </a:p>
+        </p:txBody>
+      </p:sp>
+      <p:sp>
+        <p:nvSpPr>
+          <p:cNvPr id="28" name="TextBox 27">
+            <a:extLst>
+              <a:ext uri="{FF2B5EF4-FFF2-40B4-BE49-F238E27FC236}">
+                <a16:creationId xmlns:a16="http://schemas.microsoft.com/office/drawing/2014/main" id="{C17CBF41-ED24-7987-17F6-854EDCE75928}"/>
+              </a:ext>
+            </a:extLst>
+          </p:cNvPr>
+          <p:cNvSpPr txBox="1"/>
+          <p:nvPr/>
+        </p:nvSpPr>
+        <p:spPr>
+          <a:xfrm>
+            <a:off x="0" y="885037"/>
+            <a:ext cx="1136650" cy="276999"/>
+          </a:xfrm>
+          <a:prstGeom prst="rect">
+            <a:avLst/>
+          </a:prstGeom>
+          <a:noFill/>
+        </p:spPr>
+        <p:txBody>
+          <a:bodyPr wrap="square" rtlCol="0">
+            <a:spAutoFit/>
+          </a:bodyPr>
+          <a:lstStyle/>
+          <a:p>
+            <a:r>
+              <a:rPr lang="en-US" sz="1200" dirty="0"/>
+              <a:t>Multinomial </a:t>
+            </a:r>
+          </a:p>
+        </p:txBody>
+      </p:sp>
+      <p:sp>
+        <p:nvSpPr>
+          <p:cNvPr id="32" name="TextBox 31">
+            <a:extLst>
+              <a:ext uri="{FF2B5EF4-FFF2-40B4-BE49-F238E27FC236}">
+                <a16:creationId xmlns:a16="http://schemas.microsoft.com/office/drawing/2014/main" id="{77389F44-386E-DAEC-7AD2-CDE8EAAEB330}"/>
+              </a:ext>
+            </a:extLst>
+          </p:cNvPr>
+          <p:cNvSpPr txBox="1"/>
+          <p:nvPr/>
+        </p:nvSpPr>
+        <p:spPr>
+          <a:xfrm>
+            <a:off x="1936137" y="56727"/>
+            <a:ext cx="662326" cy="276999"/>
+          </a:xfrm>
+          <a:prstGeom prst="rect">
+            <a:avLst/>
+          </a:prstGeom>
+          <a:noFill/>
+        </p:spPr>
+        <p:txBody>
+          <a:bodyPr wrap="square" rtlCol="0">
+            <a:spAutoFit/>
+          </a:bodyPr>
+          <a:lstStyle/>
+          <a:p>
+            <a:r>
+              <a:rPr lang="en-US" sz="1200" dirty="0"/>
+              <a:t>PMF</a:t>
+            </a:r>
+          </a:p>
+        </p:txBody>
+      </p:sp>
+      <p:cxnSp>
+        <p:nvCxnSpPr>
+          <p:cNvPr id="56" name="Straight Connector 55">
+            <a:extLst>
+              <a:ext uri="{FF2B5EF4-FFF2-40B4-BE49-F238E27FC236}">
+                <a16:creationId xmlns:a16="http://schemas.microsoft.com/office/drawing/2014/main" id="{FD0C2E63-6BC6-E543-D04E-8284350BE741}"/>
+              </a:ext>
+            </a:extLst>
+          </p:cNvPr>
+          <p:cNvCxnSpPr>
+            <a:cxnSpLocks/>
+          </p:cNvCxnSpPr>
+          <p:nvPr/>
+        </p:nvCxnSpPr>
+        <p:spPr>
+          <a:xfrm>
+            <a:off x="0" y="2196879"/>
+            <a:ext cx="7604125" cy="0"/>
+          </a:xfrm>
+          <a:prstGeom prst="line">
+            <a:avLst/>
+          </a:prstGeom>
+          <a:ln w="28575">
+            <a:solidFill>
+              <a:schemeClr val="tx1">
+                <a:lumMod val="65000"/>
+                <a:lumOff val="35000"/>
+              </a:schemeClr>
+            </a:solidFill>
+          </a:ln>
+        </p:spPr>
+        <p:style>
+          <a:lnRef idx="2">
+            <a:schemeClr val="accent1"/>
+          </a:lnRef>
+          <a:fillRef idx="0">
+            <a:schemeClr val="accent1"/>
+          </a:fillRef>
+          <a:effectRef idx="1">
+            <a:schemeClr val="accent1"/>
+          </a:effectRef>
+          <a:fontRef idx="minor">
+            <a:schemeClr val="tx1"/>
+          </a:fontRef>
+        </p:style>
+      </p:cxnSp>
+      <p:cxnSp>
+        <p:nvCxnSpPr>
+          <p:cNvPr id="81" name="Straight Connector 80">
+            <a:extLst>
+              <a:ext uri="{FF2B5EF4-FFF2-40B4-BE49-F238E27FC236}">
+                <a16:creationId xmlns:a16="http://schemas.microsoft.com/office/drawing/2014/main" id="{7C93CEA2-F579-3EBE-5D6A-D5F14226D4BE}"/>
+              </a:ext>
+            </a:extLst>
+          </p:cNvPr>
+          <p:cNvCxnSpPr/>
+          <p:nvPr/>
+        </p:nvCxnSpPr>
+        <p:spPr>
+          <a:xfrm>
+            <a:off x="0" y="3256063"/>
+            <a:ext cx="12192000" cy="0"/>
+          </a:xfrm>
+          <a:prstGeom prst="line">
+            <a:avLst/>
+          </a:prstGeom>
+        </p:spPr>
+        <p:style>
+          <a:lnRef idx="2">
+            <a:schemeClr val="accent1"/>
+          </a:lnRef>
+          <a:fillRef idx="0">
+            <a:schemeClr val="accent1"/>
+          </a:fillRef>
+          <a:effectRef idx="1">
+            <a:schemeClr val="accent1"/>
+          </a:effectRef>
+          <a:fontRef idx="minor">
+            <a:schemeClr val="tx1"/>
+          </a:fontRef>
+        </p:style>
+      </p:cxnSp>
+      <p:sp>
+        <p:nvSpPr>
+          <p:cNvPr id="62" name="TextBox 61">
+            <a:extLst>
+              <a:ext uri="{FF2B5EF4-FFF2-40B4-BE49-F238E27FC236}">
+                <a16:creationId xmlns:a16="http://schemas.microsoft.com/office/drawing/2014/main" id="{E1C821C4-8BDF-A015-650E-888E4E623116}"/>
+              </a:ext>
+            </a:extLst>
+          </p:cNvPr>
+          <p:cNvSpPr txBox="1"/>
+          <p:nvPr/>
+        </p:nvSpPr>
+        <p:spPr>
+          <a:xfrm>
+            <a:off x="3773150" y="68058"/>
+            <a:ext cx="1628810" cy="276999"/>
+          </a:xfrm>
+          <a:prstGeom prst="rect">
+            <a:avLst/>
+          </a:prstGeom>
+          <a:noFill/>
+        </p:spPr>
+        <p:txBody>
+          <a:bodyPr wrap="square" rtlCol="0">
+            <a:spAutoFit/>
+          </a:bodyPr>
+          <a:lstStyle/>
+          <a:p>
+            <a:pPr algn="ctr"/>
+            <a:r>
+              <a:rPr lang="en-US" sz="1200" dirty="0"/>
+              <a:t>parameters</a:t>
+            </a:r>
+          </a:p>
+        </p:txBody>
+      </p:sp>
+      <p:sp>
+        <p:nvSpPr>
+          <p:cNvPr id="68" name="TextBox 67">
+            <a:extLst>
+              <a:ext uri="{FF2B5EF4-FFF2-40B4-BE49-F238E27FC236}">
+                <a16:creationId xmlns:a16="http://schemas.microsoft.com/office/drawing/2014/main" id="{FB7BF18F-7E9C-EA91-944C-869CCDC7518B}"/>
+              </a:ext>
+            </a:extLst>
+          </p:cNvPr>
+          <p:cNvSpPr txBox="1"/>
+          <p:nvPr/>
+        </p:nvSpPr>
+        <p:spPr>
+          <a:xfrm>
+            <a:off x="5604324" y="68058"/>
+            <a:ext cx="1628810" cy="276999"/>
+          </a:xfrm>
+          <a:prstGeom prst="rect">
+            <a:avLst/>
+          </a:prstGeom>
+          <a:noFill/>
+        </p:spPr>
+        <p:txBody>
+          <a:bodyPr wrap="square" rtlCol="0">
+            <a:spAutoFit/>
+          </a:bodyPr>
+          <a:lstStyle/>
+          <a:p>
+            <a:pPr algn="ctr"/>
+            <a:r>
+              <a:rPr lang="en-US" sz="1200" dirty="0"/>
+              <a:t>How to find joint</a:t>
+            </a:r>
+          </a:p>
+        </p:txBody>
+      </p:sp>
+      <p:cxnSp>
+        <p:nvCxnSpPr>
+          <p:cNvPr id="72" name="Straight Connector 71">
+            <a:extLst>
+              <a:ext uri="{FF2B5EF4-FFF2-40B4-BE49-F238E27FC236}">
+                <a16:creationId xmlns:a16="http://schemas.microsoft.com/office/drawing/2014/main" id="{AC5CEC60-41C3-19D6-BD68-2DE1E7D1E175}"/>
+              </a:ext>
+            </a:extLst>
+          </p:cNvPr>
+          <p:cNvCxnSpPr>
+            <a:cxnSpLocks/>
+          </p:cNvCxnSpPr>
+          <p:nvPr/>
+        </p:nvCxnSpPr>
+        <p:spPr>
+          <a:xfrm>
+            <a:off x="0" y="1162036"/>
+            <a:ext cx="12192000" cy="0"/>
+          </a:xfrm>
+          <a:prstGeom prst="line">
+            <a:avLst/>
+          </a:prstGeom>
+          <a:ln w="28575">
+            <a:solidFill>
+              <a:schemeClr val="tx1">
+                <a:lumMod val="65000"/>
+                <a:lumOff val="35000"/>
+              </a:schemeClr>
+            </a:solidFill>
+          </a:ln>
+        </p:spPr>
+        <p:style>
+          <a:lnRef idx="2">
+            <a:schemeClr val="accent1"/>
+          </a:lnRef>
+          <a:fillRef idx="0">
+            <a:schemeClr val="accent1"/>
+          </a:fillRef>
+          <a:effectRef idx="1">
+            <a:schemeClr val="accent1"/>
+          </a:effectRef>
+          <a:fontRef idx="minor">
+            <a:schemeClr val="tx1"/>
+          </a:fontRef>
+        </p:style>
+      </p:cxnSp>
+      <p:pic>
+        <p:nvPicPr>
+          <p:cNvPr id="5" name="Picture 4">
+            <a:extLst>
+              <a:ext uri="{FF2B5EF4-FFF2-40B4-BE49-F238E27FC236}">
+                <a16:creationId xmlns:a16="http://schemas.microsoft.com/office/drawing/2014/main" id="{CD670184-88CB-229C-ED59-D499BB309D82}"/>
+              </a:ext>
+            </a:extLst>
+          </p:cNvPr>
+          <p:cNvPicPr>
+            <a:picLocks noChangeAspect="1"/>
+          </p:cNvPicPr>
+          <p:nvPr/>
+        </p:nvPicPr>
+        <p:blipFill>
+          <a:blip r:embed="rId2"/>
+          <a:stretch>
+            <a:fillRect/>
+          </a:stretch>
+        </p:blipFill>
+        <p:spPr>
+          <a:xfrm>
+            <a:off x="1093307" y="607291"/>
+            <a:ext cx="2479436" cy="508487"/>
+          </a:xfrm>
+          <a:prstGeom prst="rect">
+            <a:avLst/>
+          </a:prstGeom>
+        </p:spPr>
+      </p:pic>
+      <p:pic>
+        <p:nvPicPr>
+          <p:cNvPr id="14" name="Picture 13">
+            <a:extLst>
+              <a:ext uri="{FF2B5EF4-FFF2-40B4-BE49-F238E27FC236}">
+                <a16:creationId xmlns:a16="http://schemas.microsoft.com/office/drawing/2014/main" id="{A64F4FDB-B3BA-19DE-7E36-387DB1E377AC}"/>
+              </a:ext>
+            </a:extLst>
+          </p:cNvPr>
+          <p:cNvPicPr>
+            <a:picLocks noChangeAspect="1"/>
+          </p:cNvPicPr>
+          <p:nvPr/>
+        </p:nvPicPr>
+        <p:blipFill>
+          <a:blip r:embed="rId3"/>
+          <a:srcRect r="44742"/>
+          <a:stretch/>
+        </p:blipFill>
+        <p:spPr>
+          <a:xfrm>
+            <a:off x="1093307" y="1226116"/>
+            <a:ext cx="2115211" cy="549145"/>
+          </a:xfrm>
+          <a:prstGeom prst="rect">
+            <a:avLst/>
+          </a:prstGeom>
+        </p:spPr>
+      </p:pic>
+      <p:pic>
+        <p:nvPicPr>
+          <p:cNvPr id="17" name="Picture 16">
+            <a:extLst>
+              <a:ext uri="{FF2B5EF4-FFF2-40B4-BE49-F238E27FC236}">
+                <a16:creationId xmlns:a16="http://schemas.microsoft.com/office/drawing/2014/main" id="{FC6283DD-D088-5F0C-227E-32A243E74D3C}"/>
+              </a:ext>
+            </a:extLst>
+          </p:cNvPr>
+          <p:cNvPicPr>
+            <a:picLocks noChangeAspect="1"/>
+          </p:cNvPicPr>
+          <p:nvPr/>
+        </p:nvPicPr>
+        <p:blipFill>
+          <a:blip r:embed="rId3"/>
+          <a:srcRect l="51187"/>
+          <a:stretch/>
+        </p:blipFill>
+        <p:spPr>
+          <a:xfrm>
+            <a:off x="1295725" y="1610287"/>
+            <a:ext cx="1827544" cy="537112"/>
+          </a:xfrm>
+          <a:prstGeom prst="rect">
+            <a:avLst/>
+          </a:prstGeom>
+        </p:spPr>
+      </p:pic>
+      <p:sp>
+        <p:nvSpPr>
+          <p:cNvPr id="23" name="TextBox 22">
+            <a:extLst>
+              <a:ext uri="{FF2B5EF4-FFF2-40B4-BE49-F238E27FC236}">
+                <a16:creationId xmlns:a16="http://schemas.microsoft.com/office/drawing/2014/main" id="{DB6189C8-5A72-B26E-E237-A815B7CA324A}"/>
+              </a:ext>
+            </a:extLst>
+          </p:cNvPr>
+          <p:cNvSpPr txBox="1"/>
+          <p:nvPr/>
+        </p:nvSpPr>
+        <p:spPr>
+          <a:xfrm>
+            <a:off x="-113409" y="1439035"/>
+            <a:ext cx="1136650" cy="461665"/>
+          </a:xfrm>
+          <a:prstGeom prst="rect">
+            <a:avLst/>
+          </a:prstGeom>
+          <a:noFill/>
+        </p:spPr>
+        <p:txBody>
+          <a:bodyPr wrap="square" rtlCol="0">
+            <a:spAutoFit/>
+          </a:bodyPr>
+          <a:lstStyle/>
+          <a:p>
+            <a:pPr algn="ctr"/>
+            <a:r>
+              <a:rPr lang="en-US" sz="1200" dirty="0"/>
+              <a:t>One</a:t>
+            </a:r>
+          </a:p>
+          <a:p>
+            <a:pPr algn="ctr"/>
+            <a:r>
+              <a:rPr lang="en-US" sz="1200" dirty="0"/>
+              <a:t>Multinomial </a:t>
+            </a:r>
+          </a:p>
+        </p:txBody>
+      </p:sp>
+      <p:pic>
+        <p:nvPicPr>
+          <p:cNvPr id="25" name="Picture 24">
+            <a:extLst>
+              <a:ext uri="{FF2B5EF4-FFF2-40B4-BE49-F238E27FC236}">
+                <a16:creationId xmlns:a16="http://schemas.microsoft.com/office/drawing/2014/main" id="{CE67A1D7-B5CC-E360-3E62-8B3BE83E0797}"/>
+              </a:ext>
+            </a:extLst>
+          </p:cNvPr>
+          <p:cNvPicPr>
+            <a:picLocks noChangeAspect="1"/>
+          </p:cNvPicPr>
+          <p:nvPr/>
+        </p:nvPicPr>
+        <p:blipFill>
+          <a:blip r:embed="rId4"/>
+          <a:stretch>
+            <a:fillRect/>
+          </a:stretch>
+        </p:blipFill>
+        <p:spPr>
+          <a:xfrm>
+            <a:off x="3841004" y="1266263"/>
+            <a:ext cx="699960" cy="190898"/>
+          </a:xfrm>
+          <a:prstGeom prst="rect">
+            <a:avLst/>
+          </a:prstGeom>
+        </p:spPr>
+      </p:pic>
+      <p:pic>
+        <p:nvPicPr>
+          <p:cNvPr id="27" name="Picture 26">
+            <a:extLst>
+              <a:ext uri="{FF2B5EF4-FFF2-40B4-BE49-F238E27FC236}">
+                <a16:creationId xmlns:a16="http://schemas.microsoft.com/office/drawing/2014/main" id="{6C878001-9FA6-6094-D6C0-A30D0AD63FAB}"/>
+              </a:ext>
+            </a:extLst>
+          </p:cNvPr>
+          <p:cNvPicPr>
+            <a:picLocks noChangeAspect="1"/>
+          </p:cNvPicPr>
+          <p:nvPr/>
+        </p:nvPicPr>
+        <p:blipFill>
+          <a:blip r:embed="rId5"/>
+          <a:srcRect t="-1" r="69645" b="-32839"/>
+          <a:stretch/>
+        </p:blipFill>
+        <p:spPr>
+          <a:xfrm>
+            <a:off x="3841004" y="1562946"/>
+            <a:ext cx="788062" cy="233023"/>
+          </a:xfrm>
+          <a:prstGeom prst="rect">
+            <a:avLst/>
+          </a:prstGeom>
+        </p:spPr>
+      </p:pic>
+      <p:sp>
+        <p:nvSpPr>
+          <p:cNvPr id="31" name="TextBox 30">
+            <a:extLst>
+              <a:ext uri="{FF2B5EF4-FFF2-40B4-BE49-F238E27FC236}">
+                <a16:creationId xmlns:a16="http://schemas.microsoft.com/office/drawing/2014/main" id="{1D2D76FB-0BBE-56E5-F1E4-A5FDA1C279FF}"/>
+              </a:ext>
+            </a:extLst>
+          </p:cNvPr>
+          <p:cNvSpPr txBox="1"/>
+          <p:nvPr/>
+        </p:nvSpPr>
+        <p:spPr>
+          <a:xfrm>
+            <a:off x="5761989" y="1300535"/>
+            <a:ext cx="1531434" cy="461665"/>
+          </a:xfrm>
+          <a:prstGeom prst="rect">
+            <a:avLst/>
+          </a:prstGeom>
+          <a:noFill/>
+        </p:spPr>
+        <p:txBody>
+          <a:bodyPr wrap="square" rtlCol="0">
+            <a:spAutoFit/>
+          </a:bodyPr>
+          <a:lstStyle/>
+          <a:p>
+            <a:pPr algn="ctr"/>
+            <a:r>
+              <a:rPr lang="en-US" sz="1200" dirty="0"/>
+              <a:t>Given contingency table, find joint PMF</a:t>
+            </a:r>
+          </a:p>
+        </p:txBody>
+      </p:sp>
+      <p:sp>
+        <p:nvSpPr>
+          <p:cNvPr id="34" name="TextBox 33">
+            <a:extLst>
+              <a:ext uri="{FF2B5EF4-FFF2-40B4-BE49-F238E27FC236}">
+                <a16:creationId xmlns:a16="http://schemas.microsoft.com/office/drawing/2014/main" id="{801B24E6-2D98-1A47-E3AC-4DAAA08B7CC4}"/>
+              </a:ext>
+            </a:extLst>
+          </p:cNvPr>
+          <p:cNvSpPr txBox="1"/>
+          <p:nvPr/>
+        </p:nvSpPr>
+        <p:spPr>
+          <a:xfrm>
+            <a:off x="-75101" y="2254179"/>
+            <a:ext cx="1136650" cy="830997"/>
+          </a:xfrm>
+          <a:prstGeom prst="rect">
+            <a:avLst/>
+          </a:prstGeom>
+          <a:noFill/>
+        </p:spPr>
+        <p:txBody>
+          <a:bodyPr wrap="square" rtlCol="0">
+            <a:spAutoFit/>
+          </a:bodyPr>
+          <a:lstStyle/>
+          <a:p>
+            <a:pPr algn="ctr"/>
+            <a:r>
+              <a:rPr lang="en-US" sz="1200" dirty="0"/>
+              <a:t>Product</a:t>
+            </a:r>
+          </a:p>
+          <a:p>
+            <a:pPr algn="ctr"/>
+            <a:r>
+              <a:rPr lang="en-US" sz="1200" dirty="0"/>
+              <a:t>Multinomial </a:t>
+            </a:r>
+          </a:p>
+          <a:p>
+            <a:pPr algn="ctr"/>
+            <a:r>
+              <a:rPr lang="en-US" sz="1200" dirty="0"/>
+              <a:t>(I multinomial distribution)</a:t>
+            </a:r>
+          </a:p>
+        </p:txBody>
+      </p:sp>
+      <p:pic>
+        <p:nvPicPr>
+          <p:cNvPr id="36" name="Picture 35">
+            <a:extLst>
+              <a:ext uri="{FF2B5EF4-FFF2-40B4-BE49-F238E27FC236}">
+                <a16:creationId xmlns:a16="http://schemas.microsoft.com/office/drawing/2014/main" id="{A21ECE3E-04A3-F0E5-1848-2465A04F7157}"/>
+              </a:ext>
+            </a:extLst>
+          </p:cNvPr>
+          <p:cNvPicPr>
+            <a:picLocks noChangeAspect="1"/>
+          </p:cNvPicPr>
+          <p:nvPr/>
+        </p:nvPicPr>
+        <p:blipFill>
+          <a:blip r:embed="rId6"/>
+          <a:stretch>
+            <a:fillRect/>
+          </a:stretch>
+        </p:blipFill>
+        <p:spPr>
+          <a:xfrm>
+            <a:off x="1016217" y="2427942"/>
+            <a:ext cx="2368331" cy="276029"/>
+          </a:xfrm>
+          <a:prstGeom prst="rect">
+            <a:avLst/>
+          </a:prstGeom>
+        </p:spPr>
+      </p:pic>
+      <p:pic>
+        <p:nvPicPr>
+          <p:cNvPr id="40" name="Picture 39">
+            <a:extLst>
+              <a:ext uri="{FF2B5EF4-FFF2-40B4-BE49-F238E27FC236}">
+                <a16:creationId xmlns:a16="http://schemas.microsoft.com/office/drawing/2014/main" id="{88B11C29-6E5A-DF2F-5B3E-128E8D1B992C}"/>
+              </a:ext>
+            </a:extLst>
+          </p:cNvPr>
+          <p:cNvPicPr>
+            <a:picLocks noChangeAspect="1"/>
+          </p:cNvPicPr>
+          <p:nvPr/>
+        </p:nvPicPr>
+        <p:blipFill>
+          <a:blip r:embed="rId7"/>
+          <a:stretch>
+            <a:fillRect/>
+          </a:stretch>
+        </p:blipFill>
+        <p:spPr>
+          <a:xfrm>
+            <a:off x="1594511" y="2760829"/>
+            <a:ext cx="1211742" cy="495234"/>
+          </a:xfrm>
+          <a:prstGeom prst="rect">
+            <a:avLst/>
+          </a:prstGeom>
+        </p:spPr>
+      </p:pic>
+      <p:pic>
+        <p:nvPicPr>
+          <p:cNvPr id="43" name="Picture 42">
+            <a:extLst>
+              <a:ext uri="{FF2B5EF4-FFF2-40B4-BE49-F238E27FC236}">
+                <a16:creationId xmlns:a16="http://schemas.microsoft.com/office/drawing/2014/main" id="{72ADF791-2427-F28B-DD3F-6E3C830EFF0F}"/>
+              </a:ext>
+            </a:extLst>
+          </p:cNvPr>
+          <p:cNvPicPr>
+            <a:picLocks noChangeAspect="1"/>
+          </p:cNvPicPr>
+          <p:nvPr/>
+        </p:nvPicPr>
+        <p:blipFill>
+          <a:blip r:embed="rId8"/>
+          <a:stretch>
+            <a:fillRect/>
+          </a:stretch>
+        </p:blipFill>
+        <p:spPr>
+          <a:xfrm>
+            <a:off x="3793618" y="2266968"/>
+            <a:ext cx="1747264" cy="293486"/>
+          </a:xfrm>
+          <a:prstGeom prst="rect">
+            <a:avLst/>
+          </a:prstGeom>
+        </p:spPr>
+      </p:pic>
+      <p:sp>
+        <p:nvSpPr>
+          <p:cNvPr id="46" name="TextBox 45">
+            <a:extLst>
+              <a:ext uri="{FF2B5EF4-FFF2-40B4-BE49-F238E27FC236}">
+                <a16:creationId xmlns:a16="http://schemas.microsoft.com/office/drawing/2014/main" id="{B3B4E471-7129-08E3-C0C8-6D5FAAC4C8C5}"/>
+              </a:ext>
+            </a:extLst>
+          </p:cNvPr>
+          <p:cNvSpPr txBox="1"/>
+          <p:nvPr/>
+        </p:nvSpPr>
+        <p:spPr>
+          <a:xfrm>
+            <a:off x="5604324" y="2368948"/>
+            <a:ext cx="1952176" cy="646331"/>
+          </a:xfrm>
+          <a:prstGeom prst="rect">
+            <a:avLst/>
+          </a:prstGeom>
+          <a:noFill/>
+        </p:spPr>
+        <p:txBody>
+          <a:bodyPr wrap="square" rtlCol="0">
+            <a:spAutoFit/>
+          </a:bodyPr>
+          <a:lstStyle/>
+          <a:p>
+            <a:pPr algn="ctr"/>
+            <a:r>
+              <a:rPr lang="en-US" sz="1200" dirty="0"/>
+              <a:t>Given marginal count and conditional probability, find joint PMF</a:t>
+            </a:r>
+          </a:p>
+        </p:txBody>
+      </p:sp>
+      <p:pic>
+        <p:nvPicPr>
+          <p:cNvPr id="47" name="Picture 46">
+            <a:extLst>
+              <a:ext uri="{FF2B5EF4-FFF2-40B4-BE49-F238E27FC236}">
+                <a16:creationId xmlns:a16="http://schemas.microsoft.com/office/drawing/2014/main" id="{96DE627B-3250-F41F-67A1-5DFAA7277981}"/>
+              </a:ext>
+            </a:extLst>
+          </p:cNvPr>
+          <p:cNvPicPr>
+            <a:picLocks noChangeAspect="1"/>
+          </p:cNvPicPr>
+          <p:nvPr/>
+        </p:nvPicPr>
+        <p:blipFill>
+          <a:blip r:embed="rId5"/>
+          <a:srcRect l="39705" t="-8646"/>
+          <a:stretch/>
+        </p:blipFill>
+        <p:spPr>
+          <a:xfrm>
+            <a:off x="3793618" y="1805407"/>
+            <a:ext cx="1565363" cy="190585"/>
+          </a:xfrm>
+          <a:prstGeom prst="rect">
+            <a:avLst/>
+          </a:prstGeom>
+        </p:spPr>
+      </p:pic>
+      <p:cxnSp>
+        <p:nvCxnSpPr>
+          <p:cNvPr id="48" name="Straight Connector 47">
+            <a:extLst>
+              <a:ext uri="{FF2B5EF4-FFF2-40B4-BE49-F238E27FC236}">
+                <a16:creationId xmlns:a16="http://schemas.microsoft.com/office/drawing/2014/main" id="{188E8B87-34E5-2A22-FEDC-A1F5B601ACE6}"/>
+              </a:ext>
+            </a:extLst>
+          </p:cNvPr>
+          <p:cNvCxnSpPr>
+            <a:cxnSpLocks/>
+          </p:cNvCxnSpPr>
+          <p:nvPr/>
+        </p:nvCxnSpPr>
+        <p:spPr>
+          <a:xfrm>
+            <a:off x="7604125" y="0"/>
+            <a:ext cx="0" cy="3257355"/>
+          </a:xfrm>
+          <a:prstGeom prst="line">
+            <a:avLst/>
+          </a:prstGeom>
+          <a:ln w="38100">
+            <a:solidFill>
+              <a:schemeClr val="tx1">
+                <a:lumMod val="65000"/>
+                <a:lumOff val="35000"/>
+              </a:schemeClr>
+            </a:solidFill>
+          </a:ln>
+        </p:spPr>
+        <p:style>
+          <a:lnRef idx="2">
+            <a:schemeClr val="accent1"/>
+          </a:lnRef>
+          <a:fillRef idx="0">
+            <a:schemeClr val="accent1"/>
+          </a:fillRef>
+          <a:effectRef idx="1">
+            <a:schemeClr val="accent1"/>
+          </a:effectRef>
+          <a:fontRef idx="minor">
+            <a:schemeClr val="tx1"/>
+          </a:fontRef>
+        </p:style>
+      </p:cxnSp>
+      <p:pic>
+        <p:nvPicPr>
+          <p:cNvPr id="51" name="Picture 50">
+            <a:extLst>
+              <a:ext uri="{FF2B5EF4-FFF2-40B4-BE49-F238E27FC236}">
+                <a16:creationId xmlns:a16="http://schemas.microsoft.com/office/drawing/2014/main" id="{D9818FE2-9D33-2744-63B4-5E5F5A18B039}"/>
+              </a:ext>
+            </a:extLst>
+          </p:cNvPr>
+          <p:cNvPicPr>
+            <a:picLocks noChangeAspect="1"/>
+          </p:cNvPicPr>
+          <p:nvPr/>
+        </p:nvPicPr>
+        <p:blipFill>
+          <a:blip r:embed="rId9"/>
+          <a:stretch>
+            <a:fillRect/>
+          </a:stretch>
+        </p:blipFill>
+        <p:spPr>
+          <a:xfrm>
+            <a:off x="7774540" y="1247575"/>
+            <a:ext cx="2017712" cy="476342"/>
+          </a:xfrm>
+          <a:prstGeom prst="rect">
+            <a:avLst/>
+          </a:prstGeom>
+        </p:spPr>
+      </p:pic>
+      <p:pic>
+        <p:nvPicPr>
+          <p:cNvPr id="53" name="Picture 52">
+            <a:extLst>
+              <a:ext uri="{FF2B5EF4-FFF2-40B4-BE49-F238E27FC236}">
+                <a16:creationId xmlns:a16="http://schemas.microsoft.com/office/drawing/2014/main" id="{AB705676-A5E2-423B-C09F-634048858AC8}"/>
+              </a:ext>
+            </a:extLst>
+          </p:cNvPr>
+          <p:cNvPicPr>
+            <a:picLocks noChangeAspect="1"/>
+          </p:cNvPicPr>
+          <p:nvPr/>
+        </p:nvPicPr>
+        <p:blipFill>
+          <a:blip r:embed="rId10"/>
+          <a:stretch>
+            <a:fillRect/>
+          </a:stretch>
+        </p:blipFill>
+        <p:spPr>
+          <a:xfrm>
+            <a:off x="7774540" y="1800311"/>
+            <a:ext cx="3789360" cy="568637"/>
+          </a:xfrm>
+          <a:prstGeom prst="rect">
+            <a:avLst/>
+          </a:prstGeom>
+        </p:spPr>
+      </p:pic>
+      <p:pic>
+        <p:nvPicPr>
+          <p:cNvPr id="57" name="Picture 56">
+            <a:extLst>
+              <a:ext uri="{FF2B5EF4-FFF2-40B4-BE49-F238E27FC236}">
+                <a16:creationId xmlns:a16="http://schemas.microsoft.com/office/drawing/2014/main" id="{D9AF2B9E-F86A-C4F9-4C4F-19AB29EEDF66}"/>
+              </a:ext>
+            </a:extLst>
+          </p:cNvPr>
+          <p:cNvPicPr>
+            <a:picLocks noChangeAspect="1"/>
+          </p:cNvPicPr>
+          <p:nvPr/>
+        </p:nvPicPr>
+        <p:blipFill>
+          <a:blip r:embed="rId11"/>
+          <a:stretch>
+            <a:fillRect/>
+          </a:stretch>
+        </p:blipFill>
+        <p:spPr>
+          <a:xfrm>
+            <a:off x="7779785" y="15789"/>
+            <a:ext cx="2012467" cy="437024"/>
+          </a:xfrm>
+          <a:prstGeom prst="rect">
+            <a:avLst/>
+          </a:prstGeom>
+        </p:spPr>
+      </p:pic>
+      <p:pic>
+        <p:nvPicPr>
+          <p:cNvPr id="61" name="Picture 60">
+            <a:extLst>
+              <a:ext uri="{FF2B5EF4-FFF2-40B4-BE49-F238E27FC236}">
+                <a16:creationId xmlns:a16="http://schemas.microsoft.com/office/drawing/2014/main" id="{753B63B8-E283-CE13-6646-58EF141A5746}"/>
+              </a:ext>
+            </a:extLst>
+          </p:cNvPr>
+          <p:cNvPicPr>
+            <a:picLocks noChangeAspect="1"/>
+          </p:cNvPicPr>
+          <p:nvPr/>
+        </p:nvPicPr>
+        <p:blipFill>
+          <a:blip r:embed="rId12"/>
+          <a:stretch>
+            <a:fillRect/>
+          </a:stretch>
+        </p:blipFill>
+        <p:spPr>
+          <a:xfrm>
+            <a:off x="10080048" y="1312273"/>
+            <a:ext cx="1886237" cy="344998"/>
+          </a:xfrm>
+          <a:prstGeom prst="rect">
+            <a:avLst/>
+          </a:prstGeom>
+        </p:spPr>
+      </p:pic>
+      <p:pic>
+        <p:nvPicPr>
+          <p:cNvPr id="64" name="Picture 63">
+            <a:extLst>
+              <a:ext uri="{FF2B5EF4-FFF2-40B4-BE49-F238E27FC236}">
+                <a16:creationId xmlns:a16="http://schemas.microsoft.com/office/drawing/2014/main" id="{6AC04835-E17A-A196-AEEF-BB2B8CCDCC11}"/>
+              </a:ext>
+            </a:extLst>
+          </p:cNvPr>
+          <p:cNvPicPr>
+            <a:picLocks noChangeAspect="1"/>
+          </p:cNvPicPr>
+          <p:nvPr/>
+        </p:nvPicPr>
+        <p:blipFill>
+          <a:blip r:embed="rId13"/>
+          <a:stretch>
+            <a:fillRect/>
+          </a:stretch>
+        </p:blipFill>
+        <p:spPr>
+          <a:xfrm>
+            <a:off x="7759700" y="2445342"/>
+            <a:ext cx="4276725" cy="772518"/>
+          </a:xfrm>
+          <a:prstGeom prst="rect">
+            <a:avLst/>
+          </a:prstGeom>
+        </p:spPr>
+      </p:pic>
+    </p:spTree>
+    <p:extLst>
+      <p:ext uri="{BB962C8B-B14F-4D97-AF65-F5344CB8AC3E}">
+        <p14:creationId xmlns:p14="http://schemas.microsoft.com/office/powerpoint/2010/main" val="1170601262"/>
+      </p:ext>
+    </p:extLst>
+  </p:cSld>
+  <p:clrMapOvr>
+    <a:masterClrMapping/>
+  </p:clrMapOvr>
+</p:sld>
+</file>
+
+<file path=ppt/slides/slide5.xml><?xml version="1.0" encoding="utf-8"?>
+<p:sld xmlns:a="http://schemas.openxmlformats.org/drawingml/2006/main" xmlns:r="http://schemas.openxmlformats.org/officeDocument/2006/relationships" xmlns:p="http://schemas.openxmlformats.org/presentationml/2006/main">
+  <p:cSld>
+    <p:spTree>
+      <p:nvGrpSpPr>
+        <p:cNvPr id="1" name="">
+          <a:extLst>
+            <a:ext uri="{FF2B5EF4-FFF2-40B4-BE49-F238E27FC236}">
+              <a16:creationId xmlns:a16="http://schemas.microsoft.com/office/drawing/2014/main" id="{A95C268D-122F-F542-349D-B082E42D6DFC}"/>
+            </a:ext>
+          </a:extLst>
+        </p:cNvPr>
+        <p:cNvGrpSpPr/>
+        <p:nvPr/>
+      </p:nvGrpSpPr>
+      <p:grpSpPr>
+        <a:xfrm>
+          <a:off x="0" y="0"/>
+          <a:ext cx="0" cy="0"/>
+          <a:chOff x="0" y="0"/>
+          <a:chExt cx="0" cy="0"/>
+        </a:xfrm>
+      </p:grpSpPr>
+      <p:cxnSp>
+        <p:nvCxnSpPr>
+          <p:cNvPr id="4" name="Straight Connector 3">
+            <a:extLst>
+              <a:ext uri="{FF2B5EF4-FFF2-40B4-BE49-F238E27FC236}">
+                <a16:creationId xmlns:a16="http://schemas.microsoft.com/office/drawing/2014/main" id="{B6DC3378-A909-3633-52DF-C52E07313F7B}"/>
+              </a:ext>
+            </a:extLst>
+          </p:cNvPr>
+          <p:cNvCxnSpPr>
+            <a:cxnSpLocks/>
+          </p:cNvCxnSpPr>
+          <p:nvPr/>
+        </p:nvCxnSpPr>
+        <p:spPr>
+          <a:xfrm>
+            <a:off x="946150" y="-1295"/>
+            <a:ext cx="0" cy="5551409"/>
+          </a:xfrm>
+          <a:prstGeom prst="line">
+            <a:avLst/>
+          </a:prstGeom>
+          <a:ln w="38100">
+            <a:solidFill>
+              <a:schemeClr val="tx1">
+                <a:lumMod val="65000"/>
+                <a:lumOff val="35000"/>
+              </a:schemeClr>
+            </a:solidFill>
+          </a:ln>
+        </p:spPr>
+        <p:style>
+          <a:lnRef idx="2">
+            <a:schemeClr val="accent1"/>
+          </a:lnRef>
+          <a:fillRef idx="0">
+            <a:schemeClr val="accent1"/>
+          </a:fillRef>
+          <a:effectRef idx="1">
+            <a:schemeClr val="accent1"/>
+          </a:effectRef>
+          <a:fontRef idx="minor">
+            <a:schemeClr val="tx1"/>
+          </a:fontRef>
+        </p:style>
+      </p:cxnSp>
+      <p:cxnSp>
+        <p:nvCxnSpPr>
+          <p:cNvPr id="6" name="Straight Connector 5">
+            <a:extLst>
+              <a:ext uri="{FF2B5EF4-FFF2-40B4-BE49-F238E27FC236}">
+                <a16:creationId xmlns:a16="http://schemas.microsoft.com/office/drawing/2014/main" id="{C49D85B4-CFA7-542D-72BD-6373DCEE2371}"/>
+              </a:ext>
+            </a:extLst>
+          </p:cNvPr>
+          <p:cNvCxnSpPr>
+            <a:cxnSpLocks/>
+          </p:cNvCxnSpPr>
+          <p:nvPr/>
+        </p:nvCxnSpPr>
+        <p:spPr>
+          <a:xfrm>
+            <a:off x="4492625" y="5957"/>
+            <a:ext cx="0" cy="5544157"/>
+          </a:xfrm>
+          <a:prstGeom prst="line">
+            <a:avLst/>
+          </a:prstGeom>
+          <a:ln w="38100">
+            <a:solidFill>
+              <a:schemeClr val="tx1">
+                <a:lumMod val="65000"/>
+                <a:lumOff val="35000"/>
+              </a:schemeClr>
+            </a:solidFill>
+          </a:ln>
+        </p:spPr>
+        <p:style>
+          <a:lnRef idx="2">
+            <a:schemeClr val="accent1"/>
+          </a:lnRef>
+          <a:fillRef idx="0">
+            <a:schemeClr val="accent1"/>
+          </a:fillRef>
+          <a:effectRef idx="1">
+            <a:schemeClr val="accent1"/>
+          </a:effectRef>
+          <a:fontRef idx="minor">
+            <a:schemeClr val="tx1"/>
+          </a:fontRef>
+        </p:style>
+      </p:cxnSp>
+      <p:cxnSp>
+        <p:nvCxnSpPr>
+          <p:cNvPr id="10" name="Straight Connector 9">
+            <a:extLst>
+              <a:ext uri="{FF2B5EF4-FFF2-40B4-BE49-F238E27FC236}">
+                <a16:creationId xmlns:a16="http://schemas.microsoft.com/office/drawing/2014/main" id="{E6AF43BA-467A-EA4C-F533-F4EEBD390CA9}"/>
+              </a:ext>
+            </a:extLst>
+          </p:cNvPr>
+          <p:cNvCxnSpPr>
+            <a:cxnSpLocks/>
+          </p:cNvCxnSpPr>
+          <p:nvPr/>
+        </p:nvCxnSpPr>
+        <p:spPr>
+          <a:xfrm>
+            <a:off x="7369175" y="-1295"/>
+            <a:ext cx="0" cy="5551409"/>
+          </a:xfrm>
+          <a:prstGeom prst="line">
+            <a:avLst/>
+          </a:prstGeom>
+          <a:ln w="38100">
+            <a:solidFill>
+              <a:schemeClr val="tx1">
+                <a:lumMod val="65000"/>
+                <a:lumOff val="35000"/>
+              </a:schemeClr>
+            </a:solidFill>
+          </a:ln>
+        </p:spPr>
+        <p:style>
+          <a:lnRef idx="2">
+            <a:schemeClr val="accent1"/>
+          </a:lnRef>
+          <a:fillRef idx="0">
+            <a:schemeClr val="accent1"/>
+          </a:fillRef>
+          <a:effectRef idx="1">
+            <a:schemeClr val="accent1"/>
+          </a:effectRef>
+          <a:fontRef idx="minor">
+            <a:schemeClr val="tx1"/>
+          </a:fontRef>
+        </p:style>
+      </p:cxnSp>
+      <p:cxnSp>
+        <p:nvCxnSpPr>
+          <p:cNvPr id="16" name="Straight Connector 15">
+            <a:extLst>
+              <a:ext uri="{FF2B5EF4-FFF2-40B4-BE49-F238E27FC236}">
+                <a16:creationId xmlns:a16="http://schemas.microsoft.com/office/drawing/2014/main" id="{0F9DC9CD-5F1F-EA3F-9483-F906B7EB36B6}"/>
+              </a:ext>
+            </a:extLst>
+          </p:cNvPr>
+          <p:cNvCxnSpPr>
+            <a:cxnSpLocks/>
+          </p:cNvCxnSpPr>
+          <p:nvPr/>
+        </p:nvCxnSpPr>
+        <p:spPr>
+          <a:xfrm>
+            <a:off x="0" y="491988"/>
+            <a:ext cx="12192000" cy="0"/>
+          </a:xfrm>
+          <a:prstGeom prst="line">
+            <a:avLst/>
+          </a:prstGeom>
+          <a:ln w="28575">
+            <a:solidFill>
+              <a:schemeClr val="tx1">
+                <a:lumMod val="65000"/>
+                <a:lumOff val="35000"/>
+              </a:schemeClr>
+            </a:solidFill>
+          </a:ln>
+        </p:spPr>
+        <p:style>
+          <a:lnRef idx="2">
+            <a:schemeClr val="accent1"/>
+          </a:lnRef>
+          <a:fillRef idx="0">
+            <a:schemeClr val="accent1"/>
+          </a:fillRef>
+          <a:effectRef idx="1">
+            <a:schemeClr val="accent1"/>
+          </a:effectRef>
+          <a:fontRef idx="minor">
+            <a:schemeClr val="tx1"/>
+          </a:fontRef>
+        </p:style>
+      </p:cxnSp>
+      <p:sp>
+        <p:nvSpPr>
+          <p:cNvPr id="20" name="TextBox 19">
+            <a:extLst>
+              <a:ext uri="{FF2B5EF4-FFF2-40B4-BE49-F238E27FC236}">
+                <a16:creationId xmlns:a16="http://schemas.microsoft.com/office/drawing/2014/main" id="{3ED89451-7A7D-74F7-D273-834F3DD4E27A}"/>
+              </a:ext>
+            </a:extLst>
+          </p:cNvPr>
+          <p:cNvSpPr txBox="1"/>
+          <p:nvPr/>
+        </p:nvSpPr>
+        <p:spPr>
+          <a:xfrm>
+            <a:off x="146731" y="87773"/>
+            <a:ext cx="986448" cy="276999"/>
+          </a:xfrm>
+          <a:prstGeom prst="rect">
+            <a:avLst/>
+          </a:prstGeom>
+          <a:noFill/>
+        </p:spPr>
+        <p:txBody>
+          <a:bodyPr wrap="square" rtlCol="0">
+            <a:spAutoFit/>
+          </a:bodyPr>
+          <a:lstStyle/>
+          <a:p>
+            <a:r>
+              <a:rPr lang="en-US" sz="1200" dirty="0"/>
+              <a:t>Target</a:t>
+            </a:r>
+          </a:p>
+        </p:txBody>
+      </p:sp>
+      <p:sp>
+        <p:nvSpPr>
+          <p:cNvPr id="28" name="TextBox 27">
+            <a:extLst>
+              <a:ext uri="{FF2B5EF4-FFF2-40B4-BE49-F238E27FC236}">
+                <a16:creationId xmlns:a16="http://schemas.microsoft.com/office/drawing/2014/main" id="{8798B780-3EC5-2916-187B-8E632EB8CA9B}"/>
+              </a:ext>
+            </a:extLst>
+          </p:cNvPr>
+          <p:cNvSpPr txBox="1"/>
+          <p:nvPr/>
+        </p:nvSpPr>
+        <p:spPr>
+          <a:xfrm>
+            <a:off x="37803" y="2360554"/>
+            <a:ext cx="1136650" cy="461665"/>
+          </a:xfrm>
+          <a:prstGeom prst="rect">
+            <a:avLst/>
+          </a:prstGeom>
+          <a:noFill/>
+        </p:spPr>
+        <p:txBody>
+          <a:bodyPr wrap="square" rtlCol="0">
+            <a:spAutoFit/>
+          </a:bodyPr>
+          <a:lstStyle/>
+          <a:p>
+            <a:r>
+              <a:rPr lang="en-US" sz="1200" dirty="0"/>
+              <a:t>Nominal response </a:t>
+            </a:r>
+          </a:p>
+        </p:txBody>
+      </p:sp>
+      <p:sp>
+        <p:nvSpPr>
+          <p:cNvPr id="32" name="TextBox 31">
+            <a:extLst>
+              <a:ext uri="{FF2B5EF4-FFF2-40B4-BE49-F238E27FC236}">
+                <a16:creationId xmlns:a16="http://schemas.microsoft.com/office/drawing/2014/main" id="{278D6D16-8873-BC1C-A5DE-D1EB1856FF9C}"/>
+              </a:ext>
+            </a:extLst>
+          </p:cNvPr>
+          <p:cNvSpPr txBox="1"/>
+          <p:nvPr/>
+        </p:nvSpPr>
+        <p:spPr>
+          <a:xfrm>
+            <a:off x="1581998" y="54103"/>
+            <a:ext cx="1580299" cy="276999"/>
+          </a:xfrm>
+          <a:prstGeom prst="rect">
+            <a:avLst/>
+          </a:prstGeom>
+          <a:noFill/>
+        </p:spPr>
+        <p:txBody>
+          <a:bodyPr wrap="square" rtlCol="0">
+            <a:spAutoFit/>
+          </a:bodyPr>
+          <a:lstStyle/>
+          <a:p>
+            <a:r>
+              <a:rPr lang="en-US" sz="1200" dirty="0"/>
+              <a:t>Pi &amp; logit &amp; Odd ratio</a:t>
+            </a:r>
+          </a:p>
+        </p:txBody>
+      </p:sp>
+      <p:cxnSp>
+        <p:nvCxnSpPr>
+          <p:cNvPr id="56" name="Straight Connector 55">
+            <a:extLst>
+              <a:ext uri="{FF2B5EF4-FFF2-40B4-BE49-F238E27FC236}">
+                <a16:creationId xmlns:a16="http://schemas.microsoft.com/office/drawing/2014/main" id="{2E36883D-0CEE-9CEA-9B30-BB0ABCF30E9C}"/>
+              </a:ext>
+            </a:extLst>
+          </p:cNvPr>
+          <p:cNvCxnSpPr>
+            <a:cxnSpLocks/>
+          </p:cNvCxnSpPr>
+          <p:nvPr/>
+        </p:nvCxnSpPr>
+        <p:spPr>
+          <a:xfrm>
+            <a:off x="957474" y="2831879"/>
+            <a:ext cx="11234526" cy="0"/>
+          </a:xfrm>
+          <a:prstGeom prst="line">
+            <a:avLst/>
+          </a:prstGeom>
+          <a:ln w="28575">
+            <a:solidFill>
+              <a:schemeClr val="tx1">
+                <a:lumMod val="65000"/>
+                <a:lumOff val="35000"/>
+              </a:schemeClr>
+            </a:solidFill>
+          </a:ln>
+        </p:spPr>
+        <p:style>
+          <a:lnRef idx="2">
+            <a:schemeClr val="accent1"/>
+          </a:lnRef>
+          <a:fillRef idx="0">
+            <a:schemeClr val="accent1"/>
+          </a:fillRef>
+          <a:effectRef idx="1">
+            <a:schemeClr val="accent1"/>
+          </a:effectRef>
+          <a:fontRef idx="minor">
+            <a:schemeClr val="tx1"/>
+          </a:fontRef>
+        </p:style>
+      </p:cxnSp>
+      <p:cxnSp>
+        <p:nvCxnSpPr>
+          <p:cNvPr id="81" name="Straight Connector 80">
+            <a:extLst>
+              <a:ext uri="{FF2B5EF4-FFF2-40B4-BE49-F238E27FC236}">
+                <a16:creationId xmlns:a16="http://schemas.microsoft.com/office/drawing/2014/main" id="{8A99A496-9694-5B9A-6B63-4D536D8BF75E}"/>
+              </a:ext>
+            </a:extLst>
+          </p:cNvPr>
+          <p:cNvCxnSpPr/>
+          <p:nvPr/>
+        </p:nvCxnSpPr>
+        <p:spPr>
+          <a:xfrm>
+            <a:off x="0" y="5550114"/>
+            <a:ext cx="12192000" cy="0"/>
+          </a:xfrm>
+          <a:prstGeom prst="line">
+            <a:avLst/>
+          </a:prstGeom>
+        </p:spPr>
+        <p:style>
+          <a:lnRef idx="2">
+            <a:schemeClr val="accent1"/>
+          </a:lnRef>
+          <a:fillRef idx="0">
+            <a:schemeClr val="accent1"/>
+          </a:fillRef>
+          <a:effectRef idx="1">
+            <a:schemeClr val="accent1"/>
+          </a:effectRef>
+          <a:fontRef idx="minor">
+            <a:schemeClr val="tx1"/>
+          </a:fontRef>
+        </p:style>
+      </p:cxnSp>
+      <p:sp>
+        <p:nvSpPr>
+          <p:cNvPr id="62" name="TextBox 61">
+            <a:extLst>
+              <a:ext uri="{FF2B5EF4-FFF2-40B4-BE49-F238E27FC236}">
+                <a16:creationId xmlns:a16="http://schemas.microsoft.com/office/drawing/2014/main" id="{DD051F08-6E0F-2AAB-6ABB-740B5BD6BD16}"/>
+              </a:ext>
+            </a:extLst>
+          </p:cNvPr>
+          <p:cNvSpPr txBox="1"/>
+          <p:nvPr/>
+        </p:nvSpPr>
+        <p:spPr>
+          <a:xfrm>
+            <a:off x="4789410" y="74605"/>
+            <a:ext cx="1628810" cy="276999"/>
+          </a:xfrm>
+          <a:prstGeom prst="rect">
+            <a:avLst/>
+          </a:prstGeom>
+          <a:noFill/>
+        </p:spPr>
+        <p:txBody>
+          <a:bodyPr wrap="square" rtlCol="0">
+            <a:spAutoFit/>
+          </a:bodyPr>
+          <a:lstStyle/>
+          <a:p>
+            <a:pPr algn="ctr"/>
+            <a:r>
+              <a:rPr lang="en-US" sz="1200" dirty="0"/>
+              <a:t>Confidence interval</a:t>
+            </a:r>
+          </a:p>
+        </p:txBody>
+      </p:sp>
+      <p:sp>
+        <p:nvSpPr>
+          <p:cNvPr id="68" name="TextBox 67">
+            <a:extLst>
+              <a:ext uri="{FF2B5EF4-FFF2-40B4-BE49-F238E27FC236}">
+                <a16:creationId xmlns:a16="http://schemas.microsoft.com/office/drawing/2014/main" id="{2FAE5F9F-6D02-872B-8105-BEA818FFD547}"/>
+              </a:ext>
+            </a:extLst>
+          </p:cNvPr>
+          <p:cNvSpPr txBox="1"/>
+          <p:nvPr/>
+        </p:nvSpPr>
+        <p:spPr>
+          <a:xfrm>
+            <a:off x="8627053" y="81727"/>
+            <a:ext cx="1628810" cy="276999"/>
+          </a:xfrm>
+          <a:prstGeom prst="rect">
+            <a:avLst/>
+          </a:prstGeom>
+          <a:noFill/>
+        </p:spPr>
+        <p:txBody>
+          <a:bodyPr wrap="square" rtlCol="0">
+            <a:spAutoFit/>
+          </a:bodyPr>
+          <a:lstStyle/>
+          <a:p>
+            <a:pPr algn="ctr"/>
+            <a:r>
+              <a:rPr lang="en-US" sz="1200" dirty="0"/>
+              <a:t>H</a:t>
+            </a:r>
+            <a:r>
+              <a:rPr lang="en-US" sz="1200" baseline="-25000" dirty="0"/>
+              <a:t>0</a:t>
+            </a:r>
+            <a:r>
+              <a:rPr lang="en-US" sz="1200" dirty="0"/>
+              <a:t> Testing</a:t>
+            </a:r>
+          </a:p>
+        </p:txBody>
+      </p:sp>
+      <p:cxnSp>
+        <p:nvCxnSpPr>
+          <p:cNvPr id="72" name="Straight Connector 71">
+            <a:extLst>
+              <a:ext uri="{FF2B5EF4-FFF2-40B4-BE49-F238E27FC236}">
+                <a16:creationId xmlns:a16="http://schemas.microsoft.com/office/drawing/2014/main" id="{EA7E89B5-15DE-C551-CD26-3E9DA4E645FE}"/>
+              </a:ext>
+            </a:extLst>
+          </p:cNvPr>
+          <p:cNvCxnSpPr>
+            <a:cxnSpLocks/>
+          </p:cNvCxnSpPr>
+          <p:nvPr/>
+        </p:nvCxnSpPr>
+        <p:spPr>
+          <a:xfrm>
+            <a:off x="957474" y="1571933"/>
+            <a:ext cx="11234526" cy="0"/>
+          </a:xfrm>
+          <a:prstGeom prst="line">
+            <a:avLst/>
+          </a:prstGeom>
+          <a:ln w="28575">
+            <a:solidFill>
+              <a:schemeClr val="tx1">
+                <a:lumMod val="65000"/>
+                <a:lumOff val="35000"/>
+              </a:schemeClr>
+            </a:solidFill>
+          </a:ln>
+        </p:spPr>
+        <p:style>
+          <a:lnRef idx="2">
+            <a:schemeClr val="accent1"/>
+          </a:lnRef>
+          <a:fillRef idx="0">
+            <a:schemeClr val="accent1"/>
+          </a:fillRef>
+          <a:effectRef idx="1">
+            <a:schemeClr val="accent1"/>
+          </a:effectRef>
+          <a:fontRef idx="minor">
+            <a:schemeClr val="tx1"/>
+          </a:fontRef>
+        </p:style>
+      </p:cxnSp>
+      <p:pic>
+        <p:nvPicPr>
+          <p:cNvPr id="5" name="Picture 4">
+            <a:extLst>
+              <a:ext uri="{FF2B5EF4-FFF2-40B4-BE49-F238E27FC236}">
+                <a16:creationId xmlns:a16="http://schemas.microsoft.com/office/drawing/2014/main" id="{40902B30-1FD6-8AF5-D718-5B820B29D766}"/>
+              </a:ext>
+            </a:extLst>
+          </p:cNvPr>
+          <p:cNvPicPr>
+            <a:picLocks noChangeAspect="1"/>
+          </p:cNvPicPr>
+          <p:nvPr/>
+        </p:nvPicPr>
+        <p:blipFill>
+          <a:blip r:embed="rId2"/>
+          <a:stretch>
+            <a:fillRect/>
+          </a:stretch>
+        </p:blipFill>
+        <p:spPr>
+          <a:xfrm>
+            <a:off x="1016237" y="515101"/>
+            <a:ext cx="3289360" cy="779285"/>
+          </a:xfrm>
+          <a:prstGeom prst="rect">
+            <a:avLst/>
+          </a:prstGeom>
+        </p:spPr>
+      </p:pic>
+      <p:pic>
+        <p:nvPicPr>
+          <p:cNvPr id="9" name="Picture 8">
+            <a:extLst>
+              <a:ext uri="{FF2B5EF4-FFF2-40B4-BE49-F238E27FC236}">
+                <a16:creationId xmlns:a16="http://schemas.microsoft.com/office/drawing/2014/main" id="{405C8199-1FC8-9C9E-FFA0-5F1C5B5B0FC2}"/>
+              </a:ext>
+            </a:extLst>
+          </p:cNvPr>
+          <p:cNvPicPr>
+            <a:picLocks noChangeAspect="1"/>
+          </p:cNvPicPr>
+          <p:nvPr/>
+        </p:nvPicPr>
+        <p:blipFill>
+          <a:blip r:embed="rId3"/>
+          <a:stretch>
+            <a:fillRect/>
+          </a:stretch>
+        </p:blipFill>
+        <p:spPr>
+          <a:xfrm>
+            <a:off x="1033317" y="1613967"/>
+            <a:ext cx="2486324" cy="417767"/>
+          </a:xfrm>
+          <a:prstGeom prst="rect">
+            <a:avLst/>
+          </a:prstGeom>
+        </p:spPr>
+      </p:pic>
+      <p:pic>
+        <p:nvPicPr>
+          <p:cNvPr id="14" name="Picture 13">
+            <a:extLst>
+              <a:ext uri="{FF2B5EF4-FFF2-40B4-BE49-F238E27FC236}">
+                <a16:creationId xmlns:a16="http://schemas.microsoft.com/office/drawing/2014/main" id="{B06D08FE-BC0C-5F37-7D22-0AAA859596FF}"/>
+              </a:ext>
+            </a:extLst>
+          </p:cNvPr>
+          <p:cNvPicPr>
+            <a:picLocks noChangeAspect="1"/>
+          </p:cNvPicPr>
+          <p:nvPr/>
+        </p:nvPicPr>
+        <p:blipFill>
+          <a:blip r:embed="rId4"/>
+          <a:stretch>
+            <a:fillRect/>
+          </a:stretch>
+        </p:blipFill>
+        <p:spPr>
+          <a:xfrm>
+            <a:off x="1089024" y="2112234"/>
+            <a:ext cx="2711450" cy="522796"/>
+          </a:xfrm>
+          <a:prstGeom prst="rect">
+            <a:avLst/>
+          </a:prstGeom>
+        </p:spPr>
+      </p:pic>
+      <p:pic>
+        <p:nvPicPr>
+          <p:cNvPr id="19" name="Picture 18">
+            <a:extLst>
+              <a:ext uri="{FF2B5EF4-FFF2-40B4-BE49-F238E27FC236}">
+                <a16:creationId xmlns:a16="http://schemas.microsoft.com/office/drawing/2014/main" id="{66751FAC-E770-949C-DAAE-006763F26705}"/>
+              </a:ext>
+            </a:extLst>
+          </p:cNvPr>
+          <p:cNvPicPr>
+            <a:picLocks noChangeAspect="1"/>
+          </p:cNvPicPr>
+          <p:nvPr/>
+        </p:nvPicPr>
+        <p:blipFill>
+          <a:blip r:embed="rId5"/>
+          <a:stretch>
+            <a:fillRect/>
+          </a:stretch>
+        </p:blipFill>
+        <p:spPr>
+          <a:xfrm>
+            <a:off x="7852072" y="2891230"/>
+            <a:ext cx="1653878" cy="185730"/>
+          </a:xfrm>
+          <a:prstGeom prst="rect">
+            <a:avLst/>
+          </a:prstGeom>
+        </p:spPr>
+      </p:pic>
+      <p:pic>
+        <p:nvPicPr>
+          <p:cNvPr id="23" name="Picture 22">
+            <a:extLst>
+              <a:ext uri="{FF2B5EF4-FFF2-40B4-BE49-F238E27FC236}">
+                <a16:creationId xmlns:a16="http://schemas.microsoft.com/office/drawing/2014/main" id="{A6E7A6C4-508D-D636-687B-DC09DD159EE6}"/>
+              </a:ext>
+            </a:extLst>
+          </p:cNvPr>
+          <p:cNvPicPr>
+            <a:picLocks noChangeAspect="1"/>
+          </p:cNvPicPr>
+          <p:nvPr/>
+        </p:nvPicPr>
+        <p:blipFill>
+          <a:blip r:embed="rId6"/>
+          <a:stretch>
+            <a:fillRect/>
+          </a:stretch>
+        </p:blipFill>
+        <p:spPr>
+          <a:xfrm>
+            <a:off x="7699376" y="3136310"/>
+            <a:ext cx="2681287" cy="757161"/>
+          </a:xfrm>
+          <a:prstGeom prst="rect">
+            <a:avLst/>
+          </a:prstGeom>
+        </p:spPr>
+      </p:pic>
+      <p:pic>
+        <p:nvPicPr>
+          <p:cNvPr id="25" name="Picture 24">
+            <a:extLst>
+              <a:ext uri="{FF2B5EF4-FFF2-40B4-BE49-F238E27FC236}">
+                <a16:creationId xmlns:a16="http://schemas.microsoft.com/office/drawing/2014/main" id="{31A331D3-9C13-0D44-B33E-081866267105}"/>
+              </a:ext>
+            </a:extLst>
+          </p:cNvPr>
+          <p:cNvPicPr>
+            <a:picLocks noChangeAspect="1"/>
+          </p:cNvPicPr>
+          <p:nvPr/>
+        </p:nvPicPr>
+        <p:blipFill>
+          <a:blip r:embed="rId7"/>
+          <a:stretch>
+            <a:fillRect/>
+          </a:stretch>
+        </p:blipFill>
+        <p:spPr>
+          <a:xfrm>
+            <a:off x="7616825" y="4197230"/>
+            <a:ext cx="4441825" cy="1088837"/>
+          </a:xfrm>
+          <a:prstGeom prst="rect">
+            <a:avLst/>
+          </a:prstGeom>
+        </p:spPr>
+      </p:pic>
+      <p:pic>
+        <p:nvPicPr>
+          <p:cNvPr id="33" name="Picture 32">
+            <a:extLst>
+              <a:ext uri="{FF2B5EF4-FFF2-40B4-BE49-F238E27FC236}">
+                <a16:creationId xmlns:a16="http://schemas.microsoft.com/office/drawing/2014/main" id="{CFF9C6D7-915F-F8AD-C048-8EDFEE0BB06E}"/>
+              </a:ext>
+            </a:extLst>
+          </p:cNvPr>
+          <p:cNvPicPr>
+            <a:picLocks noChangeAspect="1"/>
+          </p:cNvPicPr>
+          <p:nvPr/>
+        </p:nvPicPr>
+        <p:blipFill>
+          <a:blip r:embed="rId8"/>
+          <a:stretch>
+            <a:fillRect/>
+          </a:stretch>
+        </p:blipFill>
+        <p:spPr>
+          <a:xfrm>
+            <a:off x="1248683" y="3079284"/>
+            <a:ext cx="779237" cy="192091"/>
+          </a:xfrm>
+          <a:prstGeom prst="rect">
+            <a:avLst/>
+          </a:prstGeom>
+        </p:spPr>
+      </p:pic>
+      <p:pic>
+        <p:nvPicPr>
+          <p:cNvPr id="35" name="Picture 34">
+            <a:extLst>
+              <a:ext uri="{FF2B5EF4-FFF2-40B4-BE49-F238E27FC236}">
+                <a16:creationId xmlns:a16="http://schemas.microsoft.com/office/drawing/2014/main" id="{47B1D9E4-964D-5871-23D3-689F1D8D5BD0}"/>
+              </a:ext>
+            </a:extLst>
+          </p:cNvPr>
+          <p:cNvPicPr>
+            <a:picLocks noChangeAspect="1"/>
+          </p:cNvPicPr>
+          <p:nvPr/>
+        </p:nvPicPr>
+        <p:blipFill>
+          <a:blip r:embed="rId9"/>
+          <a:stretch>
+            <a:fillRect/>
+          </a:stretch>
+        </p:blipFill>
+        <p:spPr>
+          <a:xfrm>
+            <a:off x="7432334" y="551339"/>
+            <a:ext cx="4810806" cy="747270"/>
+          </a:xfrm>
+          <a:prstGeom prst="rect">
+            <a:avLst/>
+          </a:prstGeom>
+        </p:spPr>
+      </p:pic>
+      <p:sp>
+        <p:nvSpPr>
+          <p:cNvPr id="36" name="TextBox 35">
+            <a:extLst>
+              <a:ext uri="{FF2B5EF4-FFF2-40B4-BE49-F238E27FC236}">
+                <a16:creationId xmlns:a16="http://schemas.microsoft.com/office/drawing/2014/main" id="{971EB789-842B-BC46-F793-B29BC3B4FA06}"/>
+              </a:ext>
+            </a:extLst>
+          </p:cNvPr>
+          <p:cNvSpPr txBox="1"/>
+          <p:nvPr/>
+        </p:nvSpPr>
+        <p:spPr>
+          <a:xfrm>
+            <a:off x="9966325" y="1256109"/>
+            <a:ext cx="1898649" cy="276999"/>
+          </a:xfrm>
+          <a:prstGeom prst="rect">
+            <a:avLst/>
+          </a:prstGeom>
+          <a:noFill/>
+        </p:spPr>
+        <p:txBody>
+          <a:bodyPr wrap="square" rtlCol="0">
+            <a:spAutoFit/>
+          </a:bodyPr>
+          <a:lstStyle/>
+          <a:p>
+            <a:r>
+              <a:rPr lang="en-US" sz="1200" dirty="0"/>
+              <a:t>See page 170</a:t>
+            </a:r>
+          </a:p>
+        </p:txBody>
+      </p:sp>
+      <p:sp>
+        <p:nvSpPr>
+          <p:cNvPr id="37" name="Rectangle 36">
+            <a:extLst>
+              <a:ext uri="{FF2B5EF4-FFF2-40B4-BE49-F238E27FC236}">
+                <a16:creationId xmlns:a16="http://schemas.microsoft.com/office/drawing/2014/main" id="{130512B1-286A-09E0-E34B-FC2B6F6D6B78}"/>
+              </a:ext>
+            </a:extLst>
+          </p:cNvPr>
+          <p:cNvSpPr/>
+          <p:nvPr/>
+        </p:nvSpPr>
+        <p:spPr>
+          <a:xfrm>
+            <a:off x="0" y="-6986"/>
+            <a:ext cx="12192000" cy="6864986"/>
+          </a:xfrm>
+          <a:prstGeom prst="rect">
+            <a:avLst/>
+          </a:prstGeom>
+          <a:solidFill>
+            <a:schemeClr val="accent1">
+              <a:lumMod val="60000"/>
+              <a:lumOff val="40000"/>
+              <a:alpha val="15000"/>
+            </a:schemeClr>
+          </a:solidFill>
+        </p:spPr>
+        <p:style>
+          <a:lnRef idx="2">
+            <a:schemeClr val="accent1">
+              <a:shade val="15000"/>
+            </a:schemeClr>
+          </a:lnRef>
+          <a:fillRef idx="1">
+            <a:schemeClr val="accent1"/>
+          </a:fillRef>
+          <a:effectRef idx="0">
+            <a:schemeClr val="accent1"/>
+          </a:effectRef>
+          <a:fontRef idx="minor">
+            <a:schemeClr val="lt1"/>
+          </a:fontRef>
+        </p:style>
+        <p:txBody>
+          <a:bodyPr rtlCol="0" anchor="ctr"/>
+          <a:lstStyle/>
+          <a:p>
+            <a:pPr algn="ctr"/>
+            <a:endParaRPr lang="en-US" dirty="0">
+              <a:highlight>
+                <a:srgbClr val="FFFF00"/>
+              </a:highlight>
+            </a:endParaRPr>
+          </a:p>
+        </p:txBody>
+      </p:sp>
+    </p:spTree>
+    <p:extLst>
+      <p:ext uri="{BB962C8B-B14F-4D97-AF65-F5344CB8AC3E}">
+        <p14:creationId xmlns:p14="http://schemas.microsoft.com/office/powerpoint/2010/main" val="1278899117"/>
+      </p:ext>
+    </p:extLst>
+  </p:cSld>
+  <p:clrMapOvr>
+    <a:masterClrMapping/>
+  </p:clrMapOvr>
+</p:sld>
+</file>
+
+<file path=ppt/slides/slide6.xml><?xml version="1.0" encoding="utf-8"?>
+<p:sld xmlns:a="http://schemas.openxmlformats.org/drawingml/2006/main" xmlns:r="http://schemas.openxmlformats.org/officeDocument/2006/relationships" xmlns:p="http://schemas.openxmlformats.org/presentationml/2006/main">
+  <p:cSld>
+    <p:spTree>
+      <p:nvGrpSpPr>
+        <p:cNvPr id="1" name="">
+          <a:extLst>
+            <a:ext uri="{FF2B5EF4-FFF2-40B4-BE49-F238E27FC236}">
+              <a16:creationId xmlns:a16="http://schemas.microsoft.com/office/drawing/2014/main" id="{ECD9C02B-2223-24F5-4D17-56A7157E7005}"/>
+            </a:ext>
+          </a:extLst>
+        </p:cNvPr>
+        <p:cNvGrpSpPr/>
+        <p:nvPr/>
+      </p:nvGrpSpPr>
+      <p:grpSpPr>
+        <a:xfrm>
+          <a:off x="0" y="0"/>
+          <a:ext cx="0" cy="0"/>
+          <a:chOff x="0" y="0"/>
+          <a:chExt cx="0" cy="0"/>
+        </a:xfrm>
+      </p:grpSpPr>
+      <p:cxnSp>
+        <p:nvCxnSpPr>
+          <p:cNvPr id="4" name="Straight Connector 3">
+            <a:extLst>
+              <a:ext uri="{FF2B5EF4-FFF2-40B4-BE49-F238E27FC236}">
+                <a16:creationId xmlns:a16="http://schemas.microsoft.com/office/drawing/2014/main" id="{10E11F1F-423B-18C6-E537-9799DE71771A}"/>
+              </a:ext>
+            </a:extLst>
+          </p:cNvPr>
+          <p:cNvCxnSpPr>
+            <a:cxnSpLocks/>
+          </p:cNvCxnSpPr>
+          <p:nvPr/>
+        </p:nvCxnSpPr>
+        <p:spPr>
+          <a:xfrm>
+            <a:off x="946150" y="-1295"/>
+            <a:ext cx="0" cy="5551409"/>
+          </a:xfrm>
+          <a:prstGeom prst="line">
+            <a:avLst/>
+          </a:prstGeom>
+          <a:ln w="38100">
+            <a:solidFill>
+              <a:schemeClr val="tx1">
+                <a:lumMod val="65000"/>
+                <a:lumOff val="35000"/>
+              </a:schemeClr>
+            </a:solidFill>
+          </a:ln>
+        </p:spPr>
+        <p:style>
+          <a:lnRef idx="2">
+            <a:schemeClr val="accent1"/>
+          </a:lnRef>
+          <a:fillRef idx="0">
+            <a:schemeClr val="accent1"/>
+          </a:fillRef>
+          <a:effectRef idx="1">
+            <a:schemeClr val="accent1"/>
+          </a:effectRef>
+          <a:fontRef idx="minor">
+            <a:schemeClr val="tx1"/>
+          </a:fontRef>
+        </p:style>
+      </p:cxnSp>
+      <p:cxnSp>
+        <p:nvCxnSpPr>
+          <p:cNvPr id="6" name="Straight Connector 5">
+            <a:extLst>
+              <a:ext uri="{FF2B5EF4-FFF2-40B4-BE49-F238E27FC236}">
+                <a16:creationId xmlns:a16="http://schemas.microsoft.com/office/drawing/2014/main" id="{FC70AD57-D576-F8FA-738D-21DCCFAD8F28}"/>
+              </a:ext>
+            </a:extLst>
+          </p:cNvPr>
+          <p:cNvCxnSpPr>
+            <a:cxnSpLocks/>
+          </p:cNvCxnSpPr>
+          <p:nvPr/>
+        </p:nvCxnSpPr>
+        <p:spPr>
+          <a:xfrm>
+            <a:off x="4937125" y="50140"/>
+            <a:ext cx="0" cy="5544157"/>
+          </a:xfrm>
+          <a:prstGeom prst="line">
+            <a:avLst/>
+          </a:prstGeom>
+          <a:ln w="38100">
+            <a:solidFill>
+              <a:schemeClr val="tx1">
+                <a:lumMod val="65000"/>
+                <a:lumOff val="35000"/>
+              </a:schemeClr>
+            </a:solidFill>
+          </a:ln>
+        </p:spPr>
+        <p:style>
+          <a:lnRef idx="2">
+            <a:schemeClr val="accent1"/>
+          </a:lnRef>
+          <a:fillRef idx="0">
+            <a:schemeClr val="accent1"/>
+          </a:fillRef>
+          <a:effectRef idx="1">
+            <a:schemeClr val="accent1"/>
+          </a:effectRef>
+          <a:fontRef idx="minor">
+            <a:schemeClr val="tx1"/>
+          </a:fontRef>
+        </p:style>
+      </p:cxnSp>
+      <p:cxnSp>
+        <p:nvCxnSpPr>
+          <p:cNvPr id="10" name="Straight Connector 9">
+            <a:extLst>
+              <a:ext uri="{FF2B5EF4-FFF2-40B4-BE49-F238E27FC236}">
+                <a16:creationId xmlns:a16="http://schemas.microsoft.com/office/drawing/2014/main" id="{074B13FC-DB55-D4DC-5AEB-0BAF5F1B6D02}"/>
+              </a:ext>
+            </a:extLst>
+          </p:cNvPr>
+          <p:cNvCxnSpPr>
+            <a:cxnSpLocks/>
+          </p:cNvCxnSpPr>
+          <p:nvPr/>
+        </p:nvCxnSpPr>
+        <p:spPr>
+          <a:xfrm>
+            <a:off x="7369175" y="-1295"/>
+            <a:ext cx="0" cy="5551409"/>
+          </a:xfrm>
+          <a:prstGeom prst="line">
+            <a:avLst/>
+          </a:prstGeom>
+          <a:ln w="38100">
+            <a:solidFill>
+              <a:schemeClr val="tx1">
+                <a:lumMod val="65000"/>
+                <a:lumOff val="35000"/>
+              </a:schemeClr>
+            </a:solidFill>
+          </a:ln>
+        </p:spPr>
+        <p:style>
+          <a:lnRef idx="2">
+            <a:schemeClr val="accent1"/>
+          </a:lnRef>
+          <a:fillRef idx="0">
+            <a:schemeClr val="accent1"/>
+          </a:fillRef>
+          <a:effectRef idx="1">
+            <a:schemeClr val="accent1"/>
+          </a:effectRef>
+          <a:fontRef idx="minor">
+            <a:schemeClr val="tx1"/>
+          </a:fontRef>
+        </p:style>
+      </p:cxnSp>
+      <p:cxnSp>
+        <p:nvCxnSpPr>
+          <p:cNvPr id="16" name="Straight Connector 15">
+            <a:extLst>
+              <a:ext uri="{FF2B5EF4-FFF2-40B4-BE49-F238E27FC236}">
+                <a16:creationId xmlns:a16="http://schemas.microsoft.com/office/drawing/2014/main" id="{4BD915FB-E7CF-F143-0B58-EECD1EB68160}"/>
+              </a:ext>
+            </a:extLst>
+          </p:cNvPr>
+          <p:cNvCxnSpPr>
+            <a:cxnSpLocks/>
+          </p:cNvCxnSpPr>
+          <p:nvPr/>
+        </p:nvCxnSpPr>
+        <p:spPr>
+          <a:xfrm>
+            <a:off x="0" y="491988"/>
+            <a:ext cx="12192000" cy="0"/>
+          </a:xfrm>
+          <a:prstGeom prst="line">
+            <a:avLst/>
+          </a:prstGeom>
+          <a:ln w="28575">
+            <a:solidFill>
+              <a:schemeClr val="tx1">
+                <a:lumMod val="65000"/>
+                <a:lumOff val="35000"/>
+              </a:schemeClr>
+            </a:solidFill>
+          </a:ln>
+        </p:spPr>
+        <p:style>
+          <a:lnRef idx="2">
+            <a:schemeClr val="accent1"/>
+          </a:lnRef>
+          <a:fillRef idx="0">
+            <a:schemeClr val="accent1"/>
+          </a:fillRef>
+          <a:effectRef idx="1">
+            <a:schemeClr val="accent1"/>
+          </a:effectRef>
+          <a:fontRef idx="minor">
+            <a:schemeClr val="tx1"/>
+          </a:fontRef>
+        </p:style>
+      </p:cxnSp>
+      <p:sp>
+        <p:nvSpPr>
+          <p:cNvPr id="20" name="TextBox 19">
+            <a:extLst>
+              <a:ext uri="{FF2B5EF4-FFF2-40B4-BE49-F238E27FC236}">
+                <a16:creationId xmlns:a16="http://schemas.microsoft.com/office/drawing/2014/main" id="{EE125EA2-2F8F-CDE4-D6E2-23D0288F4B4D}"/>
+              </a:ext>
+            </a:extLst>
+          </p:cNvPr>
+          <p:cNvSpPr txBox="1"/>
+          <p:nvPr/>
+        </p:nvSpPr>
+        <p:spPr>
+          <a:xfrm>
+            <a:off x="146731" y="87773"/>
+            <a:ext cx="986448" cy="276999"/>
+          </a:xfrm>
+          <a:prstGeom prst="rect">
+            <a:avLst/>
+          </a:prstGeom>
+          <a:noFill/>
+        </p:spPr>
+        <p:txBody>
+          <a:bodyPr wrap="square" rtlCol="0">
+            <a:spAutoFit/>
+          </a:bodyPr>
+          <a:lstStyle/>
+          <a:p>
+            <a:r>
+              <a:rPr lang="en-US" sz="1200" dirty="0"/>
+              <a:t>Target</a:t>
+            </a:r>
+          </a:p>
+        </p:txBody>
+      </p:sp>
+      <p:sp>
+        <p:nvSpPr>
+          <p:cNvPr id="28" name="TextBox 27">
+            <a:extLst>
+              <a:ext uri="{FF2B5EF4-FFF2-40B4-BE49-F238E27FC236}">
+                <a16:creationId xmlns:a16="http://schemas.microsoft.com/office/drawing/2014/main" id="{A3362BCF-FAD3-1551-445A-FCFCBAC258B2}"/>
+              </a:ext>
+            </a:extLst>
+          </p:cNvPr>
+          <p:cNvSpPr txBox="1"/>
+          <p:nvPr/>
+        </p:nvSpPr>
+        <p:spPr>
+          <a:xfrm>
+            <a:off x="37803" y="2360554"/>
+            <a:ext cx="1136650" cy="461665"/>
+          </a:xfrm>
+          <a:prstGeom prst="rect">
+            <a:avLst/>
+          </a:prstGeom>
+          <a:noFill/>
+        </p:spPr>
+        <p:txBody>
+          <a:bodyPr wrap="square" rtlCol="0">
+            <a:spAutoFit/>
+          </a:bodyPr>
+          <a:lstStyle/>
+          <a:p>
+            <a:r>
+              <a:rPr lang="en-US" sz="1200" dirty="0"/>
+              <a:t>Ordinal response </a:t>
+            </a:r>
+          </a:p>
+        </p:txBody>
+      </p:sp>
+      <p:sp>
+        <p:nvSpPr>
+          <p:cNvPr id="32" name="TextBox 31">
+            <a:extLst>
+              <a:ext uri="{FF2B5EF4-FFF2-40B4-BE49-F238E27FC236}">
+                <a16:creationId xmlns:a16="http://schemas.microsoft.com/office/drawing/2014/main" id="{E0FD7A34-D34F-CC1E-E2D9-A11C186CEBFB}"/>
+              </a:ext>
+            </a:extLst>
+          </p:cNvPr>
+          <p:cNvSpPr txBox="1"/>
+          <p:nvPr/>
+        </p:nvSpPr>
+        <p:spPr>
+          <a:xfrm>
+            <a:off x="1581998" y="54103"/>
+            <a:ext cx="1580299" cy="276999"/>
+          </a:xfrm>
+          <a:prstGeom prst="rect">
+            <a:avLst/>
+          </a:prstGeom>
+          <a:noFill/>
+        </p:spPr>
+        <p:txBody>
+          <a:bodyPr wrap="square" rtlCol="0">
+            <a:spAutoFit/>
+          </a:bodyPr>
+          <a:lstStyle/>
+          <a:p>
+            <a:r>
+              <a:rPr lang="en-US" sz="1200" dirty="0"/>
+              <a:t>Pi &amp; logit &amp; Odd ratio</a:t>
+            </a:r>
+          </a:p>
+        </p:txBody>
+      </p:sp>
+      <p:cxnSp>
+        <p:nvCxnSpPr>
+          <p:cNvPr id="56" name="Straight Connector 55">
+            <a:extLst>
+              <a:ext uri="{FF2B5EF4-FFF2-40B4-BE49-F238E27FC236}">
+                <a16:creationId xmlns:a16="http://schemas.microsoft.com/office/drawing/2014/main" id="{9B4CAE80-F47F-40C4-D389-45268A69DDD8}"/>
+              </a:ext>
+            </a:extLst>
+          </p:cNvPr>
+          <p:cNvCxnSpPr>
+            <a:cxnSpLocks/>
+          </p:cNvCxnSpPr>
+          <p:nvPr/>
+        </p:nvCxnSpPr>
+        <p:spPr>
+          <a:xfrm>
+            <a:off x="946150" y="3066288"/>
+            <a:ext cx="11234526" cy="0"/>
+          </a:xfrm>
+          <a:prstGeom prst="line">
+            <a:avLst/>
+          </a:prstGeom>
+          <a:ln w="28575">
+            <a:solidFill>
+              <a:schemeClr val="tx1">
+                <a:lumMod val="65000"/>
+                <a:lumOff val="35000"/>
+              </a:schemeClr>
+            </a:solidFill>
+          </a:ln>
+        </p:spPr>
+        <p:style>
+          <a:lnRef idx="2">
+            <a:schemeClr val="accent1"/>
+          </a:lnRef>
+          <a:fillRef idx="0">
+            <a:schemeClr val="accent1"/>
+          </a:fillRef>
+          <a:effectRef idx="1">
+            <a:schemeClr val="accent1"/>
+          </a:effectRef>
+          <a:fontRef idx="minor">
+            <a:schemeClr val="tx1"/>
+          </a:fontRef>
+        </p:style>
+      </p:cxnSp>
+      <p:cxnSp>
+        <p:nvCxnSpPr>
+          <p:cNvPr id="81" name="Straight Connector 80">
+            <a:extLst>
+              <a:ext uri="{FF2B5EF4-FFF2-40B4-BE49-F238E27FC236}">
+                <a16:creationId xmlns:a16="http://schemas.microsoft.com/office/drawing/2014/main" id="{F1823565-B13E-6DD8-0684-CACB26781AC2}"/>
+              </a:ext>
+            </a:extLst>
+          </p:cNvPr>
+          <p:cNvCxnSpPr/>
+          <p:nvPr/>
+        </p:nvCxnSpPr>
+        <p:spPr>
+          <a:xfrm>
+            <a:off x="0" y="5550114"/>
+            <a:ext cx="12192000" cy="0"/>
+          </a:xfrm>
+          <a:prstGeom prst="line">
+            <a:avLst/>
+          </a:prstGeom>
+        </p:spPr>
+        <p:style>
+          <a:lnRef idx="2">
+            <a:schemeClr val="accent1"/>
+          </a:lnRef>
+          <a:fillRef idx="0">
+            <a:schemeClr val="accent1"/>
+          </a:fillRef>
+          <a:effectRef idx="1">
+            <a:schemeClr val="accent1"/>
+          </a:effectRef>
+          <a:fontRef idx="minor">
+            <a:schemeClr val="tx1"/>
+          </a:fontRef>
+        </p:style>
+      </p:cxnSp>
+      <p:sp>
+        <p:nvSpPr>
+          <p:cNvPr id="62" name="TextBox 61">
+            <a:extLst>
+              <a:ext uri="{FF2B5EF4-FFF2-40B4-BE49-F238E27FC236}">
+                <a16:creationId xmlns:a16="http://schemas.microsoft.com/office/drawing/2014/main" id="{4421561F-44DF-882A-25E4-6EE8EC2D9ABE}"/>
+              </a:ext>
+            </a:extLst>
+          </p:cNvPr>
+          <p:cNvSpPr txBox="1"/>
+          <p:nvPr/>
+        </p:nvSpPr>
+        <p:spPr>
+          <a:xfrm>
+            <a:off x="5160924" y="54102"/>
+            <a:ext cx="1628810" cy="276999"/>
+          </a:xfrm>
+          <a:prstGeom prst="rect">
+            <a:avLst/>
+          </a:prstGeom>
+          <a:noFill/>
+        </p:spPr>
+        <p:txBody>
+          <a:bodyPr wrap="square" rtlCol="0">
+            <a:spAutoFit/>
+          </a:bodyPr>
+          <a:lstStyle/>
+          <a:p>
+            <a:pPr algn="ctr"/>
+            <a:r>
+              <a:rPr lang="en-US" sz="1200" dirty="0"/>
+              <a:t>Confidence interval</a:t>
+            </a:r>
+          </a:p>
+        </p:txBody>
+      </p:sp>
+      <p:sp>
+        <p:nvSpPr>
+          <p:cNvPr id="68" name="TextBox 67">
+            <a:extLst>
+              <a:ext uri="{FF2B5EF4-FFF2-40B4-BE49-F238E27FC236}">
+                <a16:creationId xmlns:a16="http://schemas.microsoft.com/office/drawing/2014/main" id="{A3AA627D-E4A9-A6E9-1188-A3CCF71E9A5E}"/>
+              </a:ext>
+            </a:extLst>
+          </p:cNvPr>
+          <p:cNvSpPr txBox="1"/>
+          <p:nvPr/>
+        </p:nvSpPr>
+        <p:spPr>
+          <a:xfrm>
+            <a:off x="8627053" y="81727"/>
+            <a:ext cx="1628810" cy="276999"/>
+          </a:xfrm>
+          <a:prstGeom prst="rect">
+            <a:avLst/>
+          </a:prstGeom>
+          <a:noFill/>
+        </p:spPr>
+        <p:txBody>
+          <a:bodyPr wrap="square" rtlCol="0">
+            <a:spAutoFit/>
+          </a:bodyPr>
+          <a:lstStyle/>
+          <a:p>
+            <a:pPr algn="ctr"/>
+            <a:r>
+              <a:rPr lang="en-US" sz="1200" dirty="0"/>
+              <a:t>H</a:t>
+            </a:r>
+            <a:r>
+              <a:rPr lang="en-US" sz="1200" baseline="-25000" dirty="0"/>
+              <a:t>0</a:t>
+            </a:r>
+            <a:r>
+              <a:rPr lang="en-US" sz="1200" dirty="0"/>
+              <a:t> Testing</a:t>
+            </a:r>
+          </a:p>
+        </p:txBody>
+      </p:sp>
+      <p:cxnSp>
+        <p:nvCxnSpPr>
+          <p:cNvPr id="72" name="Straight Connector 71">
+            <a:extLst>
+              <a:ext uri="{FF2B5EF4-FFF2-40B4-BE49-F238E27FC236}">
+                <a16:creationId xmlns:a16="http://schemas.microsoft.com/office/drawing/2014/main" id="{FCF860BC-20AB-30CC-D958-370D405FFEA6}"/>
+              </a:ext>
+            </a:extLst>
+          </p:cNvPr>
+          <p:cNvCxnSpPr>
+            <a:cxnSpLocks/>
+          </p:cNvCxnSpPr>
+          <p:nvPr/>
+        </p:nvCxnSpPr>
+        <p:spPr>
+          <a:xfrm>
+            <a:off x="946150" y="2143433"/>
+            <a:ext cx="11234526" cy="0"/>
+          </a:xfrm>
+          <a:prstGeom prst="line">
+            <a:avLst/>
+          </a:prstGeom>
+          <a:ln w="28575">
+            <a:solidFill>
+              <a:schemeClr val="tx1">
+                <a:lumMod val="65000"/>
+                <a:lumOff val="35000"/>
+              </a:schemeClr>
+            </a:solidFill>
+          </a:ln>
+        </p:spPr>
+        <p:style>
+          <a:lnRef idx="2">
+            <a:schemeClr val="accent1"/>
+          </a:lnRef>
+          <a:fillRef idx="0">
+            <a:schemeClr val="accent1"/>
+          </a:fillRef>
+          <a:effectRef idx="1">
+            <a:schemeClr val="accent1"/>
+          </a:effectRef>
+          <a:fontRef idx="minor">
+            <a:schemeClr val="tx1"/>
+          </a:fontRef>
+        </p:style>
+      </p:cxnSp>
+      <p:pic>
+        <p:nvPicPr>
+          <p:cNvPr id="3" name="Picture 2">
+            <a:extLst>
+              <a:ext uri="{FF2B5EF4-FFF2-40B4-BE49-F238E27FC236}">
+                <a16:creationId xmlns:a16="http://schemas.microsoft.com/office/drawing/2014/main" id="{15FB6127-964B-7BA0-FDF1-33ABAD4810FE}"/>
+              </a:ext>
+            </a:extLst>
+          </p:cNvPr>
+          <p:cNvPicPr>
+            <a:picLocks noChangeAspect="1"/>
+          </p:cNvPicPr>
+          <p:nvPr/>
+        </p:nvPicPr>
+        <p:blipFill>
+          <a:blip r:embed="rId2"/>
+          <a:srcRect r="75368"/>
+          <a:stretch/>
+        </p:blipFill>
+        <p:spPr>
+          <a:xfrm>
+            <a:off x="1076334" y="1609160"/>
+            <a:ext cx="924002" cy="483891"/>
+          </a:xfrm>
+          <a:prstGeom prst="rect">
+            <a:avLst/>
+          </a:prstGeom>
+        </p:spPr>
+      </p:pic>
+      <p:pic>
+        <p:nvPicPr>
+          <p:cNvPr id="7" name="Picture 6">
+            <a:extLst>
+              <a:ext uri="{FF2B5EF4-FFF2-40B4-BE49-F238E27FC236}">
+                <a16:creationId xmlns:a16="http://schemas.microsoft.com/office/drawing/2014/main" id="{92D5C08A-5258-8BD8-7CA0-DBE82A52A3C6}"/>
+              </a:ext>
+            </a:extLst>
+          </p:cNvPr>
+          <p:cNvPicPr>
+            <a:picLocks noChangeAspect="1"/>
+          </p:cNvPicPr>
+          <p:nvPr/>
+        </p:nvPicPr>
+        <p:blipFill>
+          <a:blip r:embed="rId2"/>
+          <a:srcRect l="25590"/>
+          <a:stretch/>
+        </p:blipFill>
+        <p:spPr>
+          <a:xfrm>
+            <a:off x="1133179" y="2438633"/>
+            <a:ext cx="2791321" cy="483891"/>
+          </a:xfrm>
+          <a:prstGeom prst="rect">
+            <a:avLst/>
+          </a:prstGeom>
+        </p:spPr>
+      </p:pic>
+      <p:pic>
+        <p:nvPicPr>
+          <p:cNvPr id="13" name="Picture 12">
+            <a:extLst>
+              <a:ext uri="{FF2B5EF4-FFF2-40B4-BE49-F238E27FC236}">
+                <a16:creationId xmlns:a16="http://schemas.microsoft.com/office/drawing/2014/main" id="{9BE62C55-9708-3742-359F-AFD960E3F976}"/>
+              </a:ext>
+            </a:extLst>
+          </p:cNvPr>
+          <p:cNvPicPr>
+            <a:picLocks noChangeAspect="1"/>
+          </p:cNvPicPr>
+          <p:nvPr/>
+        </p:nvPicPr>
+        <p:blipFill>
+          <a:blip r:embed="rId3"/>
+          <a:stretch>
+            <a:fillRect/>
+          </a:stretch>
+        </p:blipFill>
+        <p:spPr>
+          <a:xfrm>
+            <a:off x="1001435" y="549897"/>
+            <a:ext cx="3156227" cy="1540178"/>
+          </a:xfrm>
+          <a:prstGeom prst="rect">
+            <a:avLst/>
+          </a:prstGeom>
+        </p:spPr>
+      </p:pic>
+      <p:pic>
+        <p:nvPicPr>
+          <p:cNvPr id="17" name="Picture 16">
+            <a:extLst>
+              <a:ext uri="{FF2B5EF4-FFF2-40B4-BE49-F238E27FC236}">
+                <a16:creationId xmlns:a16="http://schemas.microsoft.com/office/drawing/2014/main" id="{4F9A3EEE-AE6B-7424-C1FD-6AE08BA6162A}"/>
+              </a:ext>
+            </a:extLst>
+          </p:cNvPr>
+          <p:cNvPicPr>
+            <a:picLocks noChangeAspect="1"/>
+          </p:cNvPicPr>
+          <p:nvPr/>
+        </p:nvPicPr>
+        <p:blipFill>
+          <a:blip r:embed="rId4"/>
+          <a:stretch>
+            <a:fillRect/>
+          </a:stretch>
+        </p:blipFill>
+        <p:spPr>
+          <a:xfrm>
+            <a:off x="1001435" y="3285436"/>
+            <a:ext cx="3777672" cy="459059"/>
+          </a:xfrm>
+          <a:prstGeom prst="rect">
+            <a:avLst/>
+          </a:prstGeom>
+        </p:spPr>
+      </p:pic>
+      <p:sp>
+        <p:nvSpPr>
+          <p:cNvPr id="18" name="Rectangle 17">
+            <a:extLst>
+              <a:ext uri="{FF2B5EF4-FFF2-40B4-BE49-F238E27FC236}">
+                <a16:creationId xmlns:a16="http://schemas.microsoft.com/office/drawing/2014/main" id="{0EAA57E6-B956-F4EE-9AB9-088D9C6364CF}"/>
+              </a:ext>
+            </a:extLst>
+          </p:cNvPr>
+          <p:cNvSpPr/>
+          <p:nvPr/>
+        </p:nvSpPr>
+        <p:spPr>
+          <a:xfrm>
+            <a:off x="0" y="-6986"/>
+            <a:ext cx="12192000" cy="6864986"/>
+          </a:xfrm>
+          <a:prstGeom prst="rect">
+            <a:avLst/>
+          </a:prstGeom>
+          <a:solidFill>
+            <a:schemeClr val="accent1">
+              <a:lumMod val="60000"/>
+              <a:lumOff val="40000"/>
+              <a:alpha val="15000"/>
+            </a:schemeClr>
+          </a:solidFill>
+        </p:spPr>
+        <p:style>
+          <a:lnRef idx="2">
+            <a:schemeClr val="accent1">
+              <a:shade val="15000"/>
+            </a:schemeClr>
+          </a:lnRef>
+          <a:fillRef idx="1">
+            <a:schemeClr val="accent1"/>
+          </a:fillRef>
+          <a:effectRef idx="0">
+            <a:schemeClr val="accent1"/>
+          </a:effectRef>
+          <a:fontRef idx="minor">
+            <a:schemeClr val="lt1"/>
+          </a:fontRef>
+        </p:style>
+        <p:txBody>
+          <a:bodyPr rtlCol="0" anchor="ctr"/>
+          <a:lstStyle/>
+          <a:p>
+            <a:pPr algn="ctr"/>
+            <a:endParaRPr lang="en-US" dirty="0">
+              <a:highlight>
+                <a:srgbClr val="FFFF00"/>
+              </a:highlight>
+            </a:endParaRPr>
+          </a:p>
+        </p:txBody>
+      </p:sp>
+    </p:spTree>
+    <p:extLst>
+      <p:ext uri="{BB962C8B-B14F-4D97-AF65-F5344CB8AC3E}">
+        <p14:creationId xmlns:p14="http://schemas.microsoft.com/office/powerpoint/2010/main" val="3332081860"/>
+      </p:ext>
+    </p:extLst>
+  </p:cSld>
+  <p:clrMapOvr>
+    <a:masterClrMapping/>
+  </p:clrMapOvr>
+</p:sld>
+</file>
+
+<file path=ppt/slides/slide7.xml><?xml version="1.0" encoding="utf-8"?>
+<p:sld xmlns:a="http://schemas.openxmlformats.org/drawingml/2006/main" xmlns:r="http://schemas.openxmlformats.org/officeDocument/2006/relationships" xmlns:p="http://schemas.openxmlformats.org/presentationml/2006/main">
+  <p:cSld>
+    <p:spTree>
+      <p:nvGrpSpPr>
+        <p:cNvPr id="1" name="">
+          <a:extLst>
+            <a:ext uri="{FF2B5EF4-FFF2-40B4-BE49-F238E27FC236}">
+              <a16:creationId xmlns:a16="http://schemas.microsoft.com/office/drawing/2014/main" id="{4E83A866-71C6-DD69-FD7E-485B7063E933}"/>
+            </a:ext>
+          </a:extLst>
+        </p:cNvPr>
+        <p:cNvGrpSpPr/>
+        <p:nvPr/>
+      </p:nvGrpSpPr>
+      <p:grpSpPr>
+        <a:xfrm>
+          <a:off x="0" y="0"/>
+          <a:ext cx="0" cy="0"/>
+          <a:chOff x="0" y="0"/>
+          <a:chExt cx="0" cy="0"/>
+        </a:xfrm>
+      </p:grpSpPr>
+      <p:sp>
+        <p:nvSpPr>
+          <p:cNvPr id="37" name="Rectangle 36">
+            <a:extLst>
+              <a:ext uri="{FF2B5EF4-FFF2-40B4-BE49-F238E27FC236}">
+                <a16:creationId xmlns:a16="http://schemas.microsoft.com/office/drawing/2014/main" id="{423CB695-44CD-DF31-BC4B-7DE609990A6A}"/>
+              </a:ext>
+            </a:extLst>
+          </p:cNvPr>
+          <p:cNvSpPr/>
+          <p:nvPr/>
+        </p:nvSpPr>
+        <p:spPr>
+          <a:xfrm>
+            <a:off x="0" y="-6986"/>
+            <a:ext cx="12192000" cy="3092643"/>
+          </a:xfrm>
+          <a:prstGeom prst="rect">
+            <a:avLst/>
+          </a:prstGeom>
+          <a:solidFill>
+            <a:schemeClr val="accent1">
+              <a:lumMod val="60000"/>
+              <a:lumOff val="40000"/>
+              <a:alpha val="15000"/>
+            </a:schemeClr>
+          </a:solidFill>
+        </p:spPr>
+        <p:style>
+          <a:lnRef idx="2">
+            <a:schemeClr val="accent1">
+              <a:shade val="15000"/>
+            </a:schemeClr>
+          </a:lnRef>
+          <a:fillRef idx="1">
+            <a:schemeClr val="accent1"/>
+          </a:fillRef>
+          <a:effectRef idx="0">
+            <a:schemeClr val="accent1"/>
+          </a:effectRef>
+          <a:fontRef idx="minor">
+            <a:schemeClr val="lt1"/>
+          </a:fontRef>
+        </p:style>
+        <p:txBody>
+          <a:bodyPr rtlCol="0" anchor="ctr"/>
+          <a:lstStyle/>
+          <a:p>
+            <a:pPr algn="ctr"/>
+            <a:endParaRPr lang="en-US" dirty="0">
+              <a:highlight>
+                <a:srgbClr val="FFFF00"/>
+              </a:highlight>
+            </a:endParaRPr>
+          </a:p>
+        </p:txBody>
+      </p:sp>
+      <p:cxnSp>
+        <p:nvCxnSpPr>
+          <p:cNvPr id="4" name="Straight Connector 3">
+            <a:extLst>
+              <a:ext uri="{FF2B5EF4-FFF2-40B4-BE49-F238E27FC236}">
+                <a16:creationId xmlns:a16="http://schemas.microsoft.com/office/drawing/2014/main" id="{B2DA3E84-7DD6-B5D3-AA0A-0FF8EEA6460C}"/>
+              </a:ext>
+            </a:extLst>
+          </p:cNvPr>
+          <p:cNvCxnSpPr>
+            <a:cxnSpLocks/>
+          </p:cNvCxnSpPr>
+          <p:nvPr/>
+        </p:nvCxnSpPr>
+        <p:spPr>
+          <a:xfrm>
+            <a:off x="946150" y="-1295"/>
+            <a:ext cx="0" cy="5551409"/>
+          </a:xfrm>
+          <a:prstGeom prst="line">
+            <a:avLst/>
+          </a:prstGeom>
+          <a:ln w="38100">
+            <a:solidFill>
+              <a:schemeClr val="tx1">
+                <a:lumMod val="65000"/>
+                <a:lumOff val="35000"/>
+              </a:schemeClr>
+            </a:solidFill>
+          </a:ln>
+        </p:spPr>
+        <p:style>
+          <a:lnRef idx="2">
+            <a:schemeClr val="accent1"/>
+          </a:lnRef>
+          <a:fillRef idx="0">
+            <a:schemeClr val="accent1"/>
+          </a:fillRef>
+          <a:effectRef idx="1">
+            <a:schemeClr val="accent1"/>
+          </a:effectRef>
+          <a:fontRef idx="minor">
+            <a:schemeClr val="tx1"/>
+          </a:fontRef>
+        </p:style>
+      </p:cxnSp>
+      <p:cxnSp>
+        <p:nvCxnSpPr>
+          <p:cNvPr id="6" name="Straight Connector 5">
+            <a:extLst>
+              <a:ext uri="{FF2B5EF4-FFF2-40B4-BE49-F238E27FC236}">
+                <a16:creationId xmlns:a16="http://schemas.microsoft.com/office/drawing/2014/main" id="{F33DF3A6-C2B6-FD1B-DA38-938C5D60705B}"/>
+              </a:ext>
+            </a:extLst>
+          </p:cNvPr>
+          <p:cNvCxnSpPr>
+            <a:cxnSpLocks/>
+          </p:cNvCxnSpPr>
+          <p:nvPr/>
+        </p:nvCxnSpPr>
+        <p:spPr>
+          <a:xfrm>
+            <a:off x="3254375" y="-6986"/>
+            <a:ext cx="0" cy="5544157"/>
+          </a:xfrm>
+          <a:prstGeom prst="line">
+            <a:avLst/>
+          </a:prstGeom>
+          <a:ln w="38100">
+            <a:solidFill>
+              <a:schemeClr val="tx1">
+                <a:lumMod val="65000"/>
+                <a:lumOff val="35000"/>
+              </a:schemeClr>
+            </a:solidFill>
+          </a:ln>
+        </p:spPr>
+        <p:style>
+          <a:lnRef idx="2">
+            <a:schemeClr val="accent1"/>
+          </a:lnRef>
+          <a:fillRef idx="0">
+            <a:schemeClr val="accent1"/>
+          </a:fillRef>
+          <a:effectRef idx="1">
+            <a:schemeClr val="accent1"/>
+          </a:effectRef>
+          <a:fontRef idx="minor">
+            <a:schemeClr val="tx1"/>
+          </a:fontRef>
+        </p:style>
+      </p:cxnSp>
+      <p:cxnSp>
+        <p:nvCxnSpPr>
+          <p:cNvPr id="10" name="Straight Connector 9">
+            <a:extLst>
+              <a:ext uri="{FF2B5EF4-FFF2-40B4-BE49-F238E27FC236}">
+                <a16:creationId xmlns:a16="http://schemas.microsoft.com/office/drawing/2014/main" id="{DAA10FAF-4D46-4E74-D98A-27F96BC8EED5}"/>
+              </a:ext>
+            </a:extLst>
+          </p:cNvPr>
+          <p:cNvCxnSpPr>
+            <a:cxnSpLocks/>
+          </p:cNvCxnSpPr>
+          <p:nvPr/>
+        </p:nvCxnSpPr>
+        <p:spPr>
+          <a:xfrm>
+            <a:off x="4708525" y="-14238"/>
+            <a:ext cx="0" cy="5551409"/>
+          </a:xfrm>
+          <a:prstGeom prst="line">
+            <a:avLst/>
+          </a:prstGeom>
+          <a:ln w="38100">
+            <a:solidFill>
+              <a:schemeClr val="tx1">
+                <a:lumMod val="65000"/>
+                <a:lumOff val="35000"/>
+              </a:schemeClr>
+            </a:solidFill>
+          </a:ln>
+        </p:spPr>
+        <p:style>
+          <a:lnRef idx="2">
+            <a:schemeClr val="accent1"/>
+          </a:lnRef>
+          <a:fillRef idx="0">
+            <a:schemeClr val="accent1"/>
+          </a:fillRef>
+          <a:effectRef idx="1">
+            <a:schemeClr val="accent1"/>
+          </a:effectRef>
+          <a:fontRef idx="minor">
+            <a:schemeClr val="tx1"/>
+          </a:fontRef>
+        </p:style>
+      </p:cxnSp>
+      <p:cxnSp>
+        <p:nvCxnSpPr>
+          <p:cNvPr id="16" name="Straight Connector 15">
+            <a:extLst>
+              <a:ext uri="{FF2B5EF4-FFF2-40B4-BE49-F238E27FC236}">
+                <a16:creationId xmlns:a16="http://schemas.microsoft.com/office/drawing/2014/main" id="{73DAD6D8-0FCE-A467-F8E1-BA18D1AA0D5C}"/>
+              </a:ext>
+            </a:extLst>
+          </p:cNvPr>
+          <p:cNvCxnSpPr>
+            <a:cxnSpLocks/>
+          </p:cNvCxnSpPr>
+          <p:nvPr/>
+        </p:nvCxnSpPr>
+        <p:spPr>
+          <a:xfrm>
+            <a:off x="0" y="491988"/>
+            <a:ext cx="12192000" cy="0"/>
+          </a:xfrm>
+          <a:prstGeom prst="line">
+            <a:avLst/>
+          </a:prstGeom>
+          <a:ln w="28575">
+            <a:solidFill>
+              <a:schemeClr val="tx1">
+                <a:lumMod val="65000"/>
+                <a:lumOff val="35000"/>
+              </a:schemeClr>
+            </a:solidFill>
+          </a:ln>
+        </p:spPr>
+        <p:style>
+          <a:lnRef idx="2">
+            <a:schemeClr val="accent1"/>
+          </a:lnRef>
+          <a:fillRef idx="0">
+            <a:schemeClr val="accent1"/>
+          </a:fillRef>
+          <a:effectRef idx="1">
+            <a:schemeClr val="accent1"/>
+          </a:effectRef>
+          <a:fontRef idx="minor">
+            <a:schemeClr val="tx1"/>
+          </a:fontRef>
+        </p:style>
+      </p:cxnSp>
+      <p:sp>
+        <p:nvSpPr>
+          <p:cNvPr id="20" name="TextBox 19">
+            <a:extLst>
+              <a:ext uri="{FF2B5EF4-FFF2-40B4-BE49-F238E27FC236}">
+                <a16:creationId xmlns:a16="http://schemas.microsoft.com/office/drawing/2014/main" id="{203DCAC2-5FA0-35DA-E755-395ACF104DAF}"/>
+              </a:ext>
+            </a:extLst>
+          </p:cNvPr>
+          <p:cNvSpPr txBox="1"/>
+          <p:nvPr/>
+        </p:nvSpPr>
+        <p:spPr>
+          <a:xfrm>
+            <a:off x="146731" y="87773"/>
+            <a:ext cx="986448" cy="276999"/>
+          </a:xfrm>
+          <a:prstGeom prst="rect">
+            <a:avLst/>
+          </a:prstGeom>
+          <a:noFill/>
+        </p:spPr>
+        <p:txBody>
+          <a:bodyPr wrap="square" rtlCol="0">
+            <a:spAutoFit/>
+          </a:bodyPr>
+          <a:lstStyle/>
+          <a:p>
+            <a:r>
+              <a:rPr lang="en-US" sz="1200" dirty="0"/>
+              <a:t>Target</a:t>
+            </a:r>
+          </a:p>
+        </p:txBody>
+      </p:sp>
+      <p:sp>
+        <p:nvSpPr>
+          <p:cNvPr id="28" name="TextBox 27">
+            <a:extLst>
+              <a:ext uri="{FF2B5EF4-FFF2-40B4-BE49-F238E27FC236}">
+                <a16:creationId xmlns:a16="http://schemas.microsoft.com/office/drawing/2014/main" id="{3BA6B33E-89D9-02FE-640B-8CD6099C9ED2}"/>
+              </a:ext>
+            </a:extLst>
+          </p:cNvPr>
+          <p:cNvSpPr txBox="1"/>
+          <p:nvPr/>
+        </p:nvSpPr>
+        <p:spPr>
+          <a:xfrm>
+            <a:off x="0" y="1508503"/>
+            <a:ext cx="1136650" cy="461665"/>
+          </a:xfrm>
+          <a:prstGeom prst="rect">
+            <a:avLst/>
+          </a:prstGeom>
+          <a:noFill/>
+        </p:spPr>
+        <p:txBody>
+          <a:bodyPr wrap="square" rtlCol="0">
+            <a:spAutoFit/>
+          </a:bodyPr>
+          <a:lstStyle/>
+          <a:p>
+            <a:r>
+              <a:rPr lang="en-US" sz="1200" dirty="0"/>
+              <a:t>Poisson distribution</a:t>
+            </a:r>
+          </a:p>
+        </p:txBody>
+      </p:sp>
+      <p:sp>
+        <p:nvSpPr>
+          <p:cNvPr id="32" name="TextBox 31">
+            <a:extLst>
+              <a:ext uri="{FF2B5EF4-FFF2-40B4-BE49-F238E27FC236}">
+                <a16:creationId xmlns:a16="http://schemas.microsoft.com/office/drawing/2014/main" id="{CB1AAAA1-B5CC-B33F-C880-462EE1BF6864}"/>
+              </a:ext>
+            </a:extLst>
+          </p:cNvPr>
+          <p:cNvSpPr txBox="1"/>
+          <p:nvPr/>
+        </p:nvSpPr>
+        <p:spPr>
+          <a:xfrm>
+            <a:off x="1678405" y="63994"/>
+            <a:ext cx="622030" cy="276999"/>
+          </a:xfrm>
+          <a:prstGeom prst="rect">
+            <a:avLst/>
+          </a:prstGeom>
+          <a:noFill/>
+        </p:spPr>
+        <p:txBody>
+          <a:bodyPr wrap="square" rtlCol="0">
+            <a:spAutoFit/>
+          </a:bodyPr>
+          <a:lstStyle/>
+          <a:p>
+            <a:r>
+              <a:rPr lang="en-US" sz="1200" dirty="0"/>
+              <a:t>PMF</a:t>
+            </a:r>
+          </a:p>
+        </p:txBody>
+      </p:sp>
+      <p:cxnSp>
+        <p:nvCxnSpPr>
+          <p:cNvPr id="56" name="Straight Connector 55">
+            <a:extLst>
+              <a:ext uri="{FF2B5EF4-FFF2-40B4-BE49-F238E27FC236}">
+                <a16:creationId xmlns:a16="http://schemas.microsoft.com/office/drawing/2014/main" id="{FED568CE-5CB6-7593-7E14-4ECE97946150}"/>
+              </a:ext>
+            </a:extLst>
+          </p:cNvPr>
+          <p:cNvCxnSpPr>
+            <a:cxnSpLocks/>
+          </p:cNvCxnSpPr>
+          <p:nvPr/>
+        </p:nvCxnSpPr>
+        <p:spPr>
+          <a:xfrm>
+            <a:off x="0" y="3072713"/>
+            <a:ext cx="12192000" cy="0"/>
+          </a:xfrm>
+          <a:prstGeom prst="line">
+            <a:avLst/>
+          </a:prstGeom>
+          <a:ln w="28575">
+            <a:solidFill>
+              <a:schemeClr val="tx1">
+                <a:lumMod val="65000"/>
+                <a:lumOff val="35000"/>
+              </a:schemeClr>
+            </a:solidFill>
+          </a:ln>
+        </p:spPr>
+        <p:style>
+          <a:lnRef idx="2">
+            <a:schemeClr val="accent1"/>
+          </a:lnRef>
+          <a:fillRef idx="0">
+            <a:schemeClr val="accent1"/>
+          </a:fillRef>
+          <a:effectRef idx="1">
+            <a:schemeClr val="accent1"/>
+          </a:effectRef>
+          <a:fontRef idx="minor">
+            <a:schemeClr val="tx1"/>
+          </a:fontRef>
+        </p:style>
+      </p:cxnSp>
+      <p:cxnSp>
+        <p:nvCxnSpPr>
+          <p:cNvPr id="81" name="Straight Connector 80">
+            <a:extLst>
+              <a:ext uri="{FF2B5EF4-FFF2-40B4-BE49-F238E27FC236}">
+                <a16:creationId xmlns:a16="http://schemas.microsoft.com/office/drawing/2014/main" id="{728CEF0B-E4EC-41EF-FF91-AA18A48C12C2}"/>
+              </a:ext>
+            </a:extLst>
+          </p:cNvPr>
+          <p:cNvCxnSpPr/>
+          <p:nvPr/>
+        </p:nvCxnSpPr>
+        <p:spPr>
+          <a:xfrm>
+            <a:off x="0" y="5550114"/>
+            <a:ext cx="12192000" cy="0"/>
+          </a:xfrm>
+          <a:prstGeom prst="line">
+            <a:avLst/>
+          </a:prstGeom>
+        </p:spPr>
+        <p:style>
+          <a:lnRef idx="2">
+            <a:schemeClr val="accent1"/>
+          </a:lnRef>
+          <a:fillRef idx="0">
+            <a:schemeClr val="accent1"/>
+          </a:fillRef>
+          <a:effectRef idx="1">
+            <a:schemeClr val="accent1"/>
+          </a:effectRef>
+          <a:fontRef idx="minor">
+            <a:schemeClr val="tx1"/>
+          </a:fontRef>
+        </p:style>
+      </p:cxnSp>
+      <p:sp>
+        <p:nvSpPr>
+          <p:cNvPr id="62" name="TextBox 61">
+            <a:extLst>
+              <a:ext uri="{FF2B5EF4-FFF2-40B4-BE49-F238E27FC236}">
+                <a16:creationId xmlns:a16="http://schemas.microsoft.com/office/drawing/2014/main" id="{E6653C34-0E91-3574-2DDE-2B70E7DF8F70}"/>
+              </a:ext>
+            </a:extLst>
+          </p:cNvPr>
+          <p:cNvSpPr txBox="1"/>
+          <p:nvPr/>
+        </p:nvSpPr>
+        <p:spPr>
+          <a:xfrm>
+            <a:off x="3352337" y="74317"/>
+            <a:ext cx="986447" cy="276999"/>
+          </a:xfrm>
+          <a:prstGeom prst="rect">
+            <a:avLst/>
+          </a:prstGeom>
+          <a:noFill/>
+        </p:spPr>
+        <p:txBody>
+          <a:bodyPr wrap="square" rtlCol="0">
+            <a:spAutoFit/>
+          </a:bodyPr>
+          <a:lstStyle/>
+          <a:p>
+            <a:pPr algn="ctr"/>
+            <a:r>
+              <a:rPr lang="en-US" sz="1200" dirty="0"/>
+              <a:t>Parameter</a:t>
+            </a:r>
+          </a:p>
+        </p:txBody>
+      </p:sp>
+      <p:cxnSp>
+        <p:nvCxnSpPr>
+          <p:cNvPr id="72" name="Straight Connector 71">
+            <a:extLst>
+              <a:ext uri="{FF2B5EF4-FFF2-40B4-BE49-F238E27FC236}">
+                <a16:creationId xmlns:a16="http://schemas.microsoft.com/office/drawing/2014/main" id="{A35D42A6-6D11-BEF7-51DF-4712FFE27786}"/>
+              </a:ext>
+            </a:extLst>
+          </p:cNvPr>
+          <p:cNvCxnSpPr>
+            <a:cxnSpLocks/>
+          </p:cNvCxnSpPr>
+          <p:nvPr/>
+        </p:nvCxnSpPr>
+        <p:spPr>
+          <a:xfrm>
+            <a:off x="946150" y="3819833"/>
+            <a:ext cx="11234526" cy="0"/>
+          </a:xfrm>
+          <a:prstGeom prst="line">
+            <a:avLst/>
+          </a:prstGeom>
+          <a:ln w="28575">
+            <a:solidFill>
+              <a:schemeClr val="tx1">
+                <a:lumMod val="65000"/>
+                <a:lumOff val="35000"/>
+              </a:schemeClr>
+            </a:solidFill>
+          </a:ln>
+        </p:spPr>
+        <p:style>
+          <a:lnRef idx="2">
+            <a:schemeClr val="accent1"/>
+          </a:lnRef>
+          <a:fillRef idx="0">
+            <a:schemeClr val="accent1"/>
+          </a:fillRef>
+          <a:effectRef idx="1">
+            <a:schemeClr val="accent1"/>
+          </a:effectRef>
+          <a:fontRef idx="minor">
+            <a:schemeClr val="tx1"/>
+          </a:fontRef>
+        </p:style>
+      </p:cxnSp>
+      <p:pic>
+        <p:nvPicPr>
+          <p:cNvPr id="3" name="Picture 2">
+            <a:extLst>
+              <a:ext uri="{FF2B5EF4-FFF2-40B4-BE49-F238E27FC236}">
+                <a16:creationId xmlns:a16="http://schemas.microsoft.com/office/drawing/2014/main" id="{3A7A2F54-3BE8-C929-C509-C70A18DE3D5F}"/>
+              </a:ext>
+            </a:extLst>
+          </p:cNvPr>
+          <p:cNvPicPr>
+            <a:picLocks noChangeAspect="1"/>
+          </p:cNvPicPr>
+          <p:nvPr/>
+        </p:nvPicPr>
+        <p:blipFill>
+          <a:blip r:embed="rId2"/>
+          <a:stretch>
+            <a:fillRect/>
+          </a:stretch>
+        </p:blipFill>
+        <p:spPr>
+          <a:xfrm>
+            <a:off x="1033317" y="595763"/>
+            <a:ext cx="2105024" cy="394973"/>
+          </a:xfrm>
+          <a:prstGeom prst="rect">
+            <a:avLst/>
+          </a:prstGeom>
+        </p:spPr>
+      </p:pic>
+      <p:pic>
+        <p:nvPicPr>
+          <p:cNvPr id="8" name="Picture 7">
+            <a:extLst>
+              <a:ext uri="{FF2B5EF4-FFF2-40B4-BE49-F238E27FC236}">
+                <a16:creationId xmlns:a16="http://schemas.microsoft.com/office/drawing/2014/main" id="{415915BE-DC22-85A3-A759-6C5E6B18ADFE}"/>
+              </a:ext>
+            </a:extLst>
+          </p:cNvPr>
+          <p:cNvPicPr>
+            <a:picLocks noChangeAspect="1"/>
+          </p:cNvPicPr>
+          <p:nvPr/>
+        </p:nvPicPr>
+        <p:blipFill>
+          <a:blip r:embed="rId3"/>
+          <a:stretch>
+            <a:fillRect/>
+          </a:stretch>
+        </p:blipFill>
+        <p:spPr>
+          <a:xfrm>
+            <a:off x="3352337" y="619205"/>
+            <a:ext cx="1184274" cy="247266"/>
+          </a:xfrm>
+          <a:prstGeom prst="rect">
+            <a:avLst/>
+          </a:prstGeom>
+        </p:spPr>
+      </p:pic>
+      <p:pic>
+        <p:nvPicPr>
+          <p:cNvPr id="12" name="Picture 11">
+            <a:extLst>
+              <a:ext uri="{FF2B5EF4-FFF2-40B4-BE49-F238E27FC236}">
+                <a16:creationId xmlns:a16="http://schemas.microsoft.com/office/drawing/2014/main" id="{08358102-96F5-9252-D980-4DB276F9439B}"/>
+              </a:ext>
+            </a:extLst>
+          </p:cNvPr>
+          <p:cNvPicPr>
+            <a:picLocks noChangeAspect="1"/>
+          </p:cNvPicPr>
+          <p:nvPr/>
+        </p:nvPicPr>
+        <p:blipFill>
+          <a:blip r:embed="rId4"/>
+          <a:stretch>
+            <a:fillRect/>
+          </a:stretch>
+        </p:blipFill>
+        <p:spPr>
+          <a:xfrm>
+            <a:off x="4828382" y="514791"/>
+            <a:ext cx="1652587" cy="475945"/>
+          </a:xfrm>
+          <a:prstGeom prst="rect">
+            <a:avLst/>
+          </a:prstGeom>
+        </p:spPr>
+      </p:pic>
+      <p:pic>
+        <p:nvPicPr>
+          <p:cNvPr id="15" name="Picture 14">
+            <a:extLst>
+              <a:ext uri="{FF2B5EF4-FFF2-40B4-BE49-F238E27FC236}">
+                <a16:creationId xmlns:a16="http://schemas.microsoft.com/office/drawing/2014/main" id="{64D2EC18-6ACD-7230-0557-4B982D1275F3}"/>
+              </a:ext>
+            </a:extLst>
+          </p:cNvPr>
+          <p:cNvPicPr>
+            <a:picLocks noChangeAspect="1"/>
+          </p:cNvPicPr>
+          <p:nvPr/>
+        </p:nvPicPr>
+        <p:blipFill>
+          <a:blip r:embed="rId5"/>
+          <a:stretch>
+            <a:fillRect/>
+          </a:stretch>
+        </p:blipFill>
+        <p:spPr>
+          <a:xfrm>
+            <a:off x="6702637" y="514791"/>
+            <a:ext cx="3903660" cy="1368430"/>
+          </a:xfrm>
+          <a:prstGeom prst="rect">
+            <a:avLst/>
+          </a:prstGeom>
+        </p:spPr>
+      </p:pic>
+      <p:pic>
+        <p:nvPicPr>
+          <p:cNvPr id="18" name="Picture 17">
+            <a:extLst>
+              <a:ext uri="{FF2B5EF4-FFF2-40B4-BE49-F238E27FC236}">
+                <a16:creationId xmlns:a16="http://schemas.microsoft.com/office/drawing/2014/main" id="{2B7A596B-9AEB-6FB0-D277-F551554D2F54}"/>
+              </a:ext>
+            </a:extLst>
+          </p:cNvPr>
+          <p:cNvPicPr>
+            <a:picLocks noChangeAspect="1"/>
+          </p:cNvPicPr>
+          <p:nvPr/>
+        </p:nvPicPr>
+        <p:blipFill>
+          <a:blip r:embed="rId6"/>
+          <a:stretch>
+            <a:fillRect/>
+          </a:stretch>
+        </p:blipFill>
+        <p:spPr>
+          <a:xfrm>
+            <a:off x="6683375" y="1905300"/>
+            <a:ext cx="4441825" cy="943794"/>
+          </a:xfrm>
+          <a:prstGeom prst="rect">
+            <a:avLst/>
+          </a:prstGeom>
+        </p:spPr>
+      </p:pic>
+      <p:sp>
+        <p:nvSpPr>
+          <p:cNvPr id="22" name="Rectangle 21">
+            <a:extLst>
+              <a:ext uri="{FF2B5EF4-FFF2-40B4-BE49-F238E27FC236}">
+                <a16:creationId xmlns:a16="http://schemas.microsoft.com/office/drawing/2014/main" id="{6CD1F22A-F2E8-1853-CA3B-B4F79D4B0547}"/>
+              </a:ext>
+            </a:extLst>
+          </p:cNvPr>
+          <p:cNvSpPr/>
+          <p:nvPr/>
+        </p:nvSpPr>
+        <p:spPr>
+          <a:xfrm>
+            <a:off x="11324" y="3701363"/>
+            <a:ext cx="12192000" cy="3092643"/>
+          </a:xfrm>
+          <a:prstGeom prst="rect">
+            <a:avLst/>
+          </a:prstGeom>
+          <a:solidFill>
+            <a:schemeClr val="accent1">
+              <a:lumMod val="60000"/>
+              <a:lumOff val="40000"/>
+              <a:alpha val="15000"/>
+            </a:schemeClr>
+          </a:solidFill>
+        </p:spPr>
+        <p:style>
+          <a:lnRef idx="2">
+            <a:schemeClr val="accent1">
+              <a:shade val="15000"/>
+            </a:schemeClr>
+          </a:lnRef>
+          <a:fillRef idx="1">
+            <a:schemeClr val="accent1"/>
+          </a:fillRef>
+          <a:effectRef idx="0">
+            <a:schemeClr val="accent1"/>
+          </a:effectRef>
+          <a:fontRef idx="minor">
+            <a:schemeClr val="lt1"/>
+          </a:fontRef>
+        </p:style>
+        <p:txBody>
+          <a:bodyPr rtlCol="0" anchor="ctr"/>
+          <a:lstStyle/>
+          <a:p>
+            <a:pPr algn="ctr"/>
+            <a:endParaRPr lang="en-US" dirty="0">
+              <a:highlight>
+                <a:srgbClr val="FFFF00"/>
+              </a:highlight>
+            </a:endParaRPr>
+          </a:p>
+        </p:txBody>
+      </p:sp>
+      <p:pic>
+        <p:nvPicPr>
+          <p:cNvPr id="26" name="Picture 25">
+            <a:extLst>
+              <a:ext uri="{FF2B5EF4-FFF2-40B4-BE49-F238E27FC236}">
+                <a16:creationId xmlns:a16="http://schemas.microsoft.com/office/drawing/2014/main" id="{B54DD184-4A92-0023-CBD0-0294F1D3D235}"/>
+              </a:ext>
+            </a:extLst>
+          </p:cNvPr>
+          <p:cNvPicPr>
+            <a:picLocks noChangeAspect="1"/>
+          </p:cNvPicPr>
+          <p:nvPr/>
+        </p:nvPicPr>
+        <p:blipFill>
+          <a:blip r:embed="rId7"/>
+          <a:stretch>
+            <a:fillRect/>
+          </a:stretch>
+        </p:blipFill>
+        <p:spPr>
+          <a:xfrm>
+            <a:off x="1254125" y="3912333"/>
+            <a:ext cx="4324350" cy="428625"/>
+          </a:xfrm>
+          <a:prstGeom prst="rect">
+            <a:avLst/>
+          </a:prstGeom>
+        </p:spPr>
+      </p:pic>
+      <p:pic>
+        <p:nvPicPr>
+          <p:cNvPr id="29" name="Picture 28">
+            <a:extLst>
+              <a:ext uri="{FF2B5EF4-FFF2-40B4-BE49-F238E27FC236}">
+                <a16:creationId xmlns:a16="http://schemas.microsoft.com/office/drawing/2014/main" id="{E401D799-042F-2BA9-6ABD-68EBE466801C}"/>
+              </a:ext>
+            </a:extLst>
+          </p:cNvPr>
+          <p:cNvPicPr>
+            <a:picLocks noChangeAspect="1"/>
+          </p:cNvPicPr>
+          <p:nvPr/>
+        </p:nvPicPr>
+        <p:blipFill>
+          <a:blip r:embed="rId8"/>
+          <a:stretch>
+            <a:fillRect/>
+          </a:stretch>
+        </p:blipFill>
+        <p:spPr>
+          <a:xfrm>
+            <a:off x="4100512" y="3152775"/>
+            <a:ext cx="3990975" cy="552450"/>
+          </a:xfrm>
+          <a:prstGeom prst="rect">
+            <a:avLst/>
+          </a:prstGeom>
+        </p:spPr>
+      </p:pic>
+      <p:pic>
+        <p:nvPicPr>
+          <p:cNvPr id="31" name="Picture 30">
+            <a:extLst>
+              <a:ext uri="{FF2B5EF4-FFF2-40B4-BE49-F238E27FC236}">
+                <a16:creationId xmlns:a16="http://schemas.microsoft.com/office/drawing/2014/main" id="{54BA6A3F-1E46-4A97-4BD2-FC6E63B9BFB5}"/>
+              </a:ext>
+            </a:extLst>
+          </p:cNvPr>
+          <p:cNvPicPr>
+            <a:picLocks noChangeAspect="1"/>
+          </p:cNvPicPr>
+          <p:nvPr/>
+        </p:nvPicPr>
+        <p:blipFill>
+          <a:blip r:embed="rId9"/>
+          <a:stretch>
+            <a:fillRect/>
+          </a:stretch>
+        </p:blipFill>
+        <p:spPr>
+          <a:xfrm>
+            <a:off x="5156411" y="4368422"/>
+            <a:ext cx="5467350" cy="942975"/>
+          </a:xfrm>
+          <a:prstGeom prst="rect">
+            <a:avLst/>
+          </a:prstGeom>
+        </p:spPr>
+      </p:pic>
+    </p:spTree>
+    <p:extLst>
+      <p:ext uri="{BB962C8B-B14F-4D97-AF65-F5344CB8AC3E}">
+        <p14:creationId xmlns:p14="http://schemas.microsoft.com/office/powerpoint/2010/main" val="3603434331"/>
+      </p:ext>
+    </p:extLst>
+  </p:cSld>
+  <p:clrMapOvr>
+    <a:masterClrMapping/>
+  </p:clrMapOvr>
+</p:sld>
+</file>
+
+<file path=ppt/slides/slide8.xml><?xml version="1.0" encoding="utf-8"?>
+<p:sld xmlns:a="http://schemas.openxmlformats.org/drawingml/2006/main" xmlns:r="http://schemas.openxmlformats.org/officeDocument/2006/relationships" xmlns:p="http://schemas.openxmlformats.org/presentationml/2006/main">
+  <p:cSld>
+    <p:spTree>
+      <p:nvGrpSpPr>
+        <p:cNvPr id="1" name=""/>
+        <p:cNvGrpSpPr/>
+        <p:nvPr/>
+      </p:nvGrpSpPr>
+      <p:grpSpPr>
+        <a:xfrm>
+          <a:off x="0" y="0"/>
+          <a:ext cx="0" cy="0"/>
+          <a:chOff x="0" y="0"/>
+          <a:chExt cx="0" cy="0"/>
+        </a:xfrm>
+      </p:grpSpPr>
+    </p:spTree>
+    <p:extLst>
+      <p:ext uri="{BB962C8B-B14F-4D97-AF65-F5344CB8AC3E}">
+        <p14:creationId xmlns:p14="http://schemas.microsoft.com/office/powerpoint/2010/main" val="582820680"/>
       </p:ext>
     </p:extLst>
   </p:cSld>
